--- a/image/images.pptx
+++ b/image/images.pptx
@@ -9,6 +9,8 @@
     <p:sldId id="257" r:id="rId3"/>
     <p:sldId id="258" r:id="rId4"/>
     <p:sldId id="259" r:id="rId5"/>
+    <p:sldId id="260" r:id="rId6"/>
+    <p:sldId id="261" r:id="rId7"/>
   </p:sldIdLst>
   <p:sldSz cx="12192000" cy="6858000"/>
   <p:notesSz cx="6858000" cy="9144000"/>
@@ -4202,6 +4204,1192 @@
 </p:sld>
 </file>
 
+<file path=ppt/slides/slide5.xml><?xml version="1.0" encoding="utf-8"?>
+<p:sld xmlns:a="http://schemas.openxmlformats.org/drawingml/2006/main" xmlns:r="http://schemas.openxmlformats.org/officeDocument/2006/relationships" xmlns:p="http://schemas.openxmlformats.org/presentationml/2006/main">
+  <p:cSld>
+    <p:spTree>
+      <p:nvGrpSpPr>
+        <p:cNvPr id="1" name=""/>
+        <p:cNvGrpSpPr/>
+        <p:nvPr/>
+      </p:nvGrpSpPr>
+      <p:grpSpPr>
+        <a:xfrm>
+          <a:off x="0" y="0"/>
+          <a:ext cx="0" cy="0"/>
+          <a:chOff x="0" y="0"/>
+          <a:chExt cx="0" cy="0"/>
+        </a:xfrm>
+      </p:grpSpPr>
+      <p:pic>
+        <p:nvPicPr>
+          <p:cNvPr id="6" name="圖片 5"/>
+          <p:cNvPicPr>
+            <a:picLocks noChangeAspect="1"/>
+          </p:cNvPicPr>
+          <p:nvPr/>
+        </p:nvPicPr>
+        <p:blipFill>
+          <a:blip r:embed="rId2"/>
+          <a:stretch>
+            <a:fillRect/>
+          </a:stretch>
+        </p:blipFill>
+        <p:spPr>
+          <a:xfrm>
+            <a:off x="1500187" y="742950"/>
+            <a:ext cx="9191625" cy="5372100"/>
+          </a:xfrm>
+          <a:prstGeom prst="rect">
+            <a:avLst/>
+          </a:prstGeom>
+        </p:spPr>
+      </p:pic>
+      <p:sp>
+        <p:nvSpPr>
+          <p:cNvPr id="3" name="矩形 2"/>
+          <p:cNvSpPr/>
+          <p:nvPr/>
+        </p:nvSpPr>
+        <p:spPr>
+          <a:xfrm>
+            <a:off x="8691968" y="2215056"/>
+            <a:ext cx="863988" cy="244774"/>
+          </a:xfrm>
+          <a:prstGeom prst="rect">
+            <a:avLst/>
+          </a:prstGeom>
+          <a:noFill/>
+          <a:ln w="28575">
+            <a:solidFill>
+              <a:srgbClr val="FF0000"/>
+            </a:solidFill>
+          </a:ln>
+        </p:spPr>
+        <p:style>
+          <a:lnRef idx="2">
+            <a:schemeClr val="accent1">
+              <a:shade val="50000"/>
+            </a:schemeClr>
+          </a:lnRef>
+          <a:fillRef idx="1">
+            <a:schemeClr val="accent1"/>
+          </a:fillRef>
+          <a:effectRef idx="0">
+            <a:schemeClr val="accent1"/>
+          </a:effectRef>
+          <a:fontRef idx="minor">
+            <a:schemeClr val="lt1"/>
+          </a:fontRef>
+        </p:style>
+        <p:txBody>
+          <a:bodyPr rtlCol="0" anchor="ctr"/>
+          <a:lstStyle/>
+          <a:p>
+            <a:pPr algn="ctr"/>
+            <a:endParaRPr lang="zh-TW" altLang="en-US"/>
+          </a:p>
+        </p:txBody>
+      </p:sp>
+      <p:sp>
+        <p:nvSpPr>
+          <p:cNvPr id="4" name="矩形 3"/>
+          <p:cNvSpPr/>
+          <p:nvPr/>
+        </p:nvSpPr>
+        <p:spPr>
+          <a:xfrm>
+            <a:off x="8720542" y="2619375"/>
+            <a:ext cx="1030677" cy="273844"/>
+          </a:xfrm>
+          <a:prstGeom prst="rect">
+            <a:avLst/>
+          </a:prstGeom>
+          <a:noFill/>
+          <a:ln w="28575">
+            <a:solidFill>
+              <a:srgbClr val="FF0000"/>
+            </a:solidFill>
+          </a:ln>
+        </p:spPr>
+        <p:style>
+          <a:lnRef idx="2">
+            <a:schemeClr val="accent1">
+              <a:shade val="50000"/>
+            </a:schemeClr>
+          </a:lnRef>
+          <a:fillRef idx="1">
+            <a:schemeClr val="accent1"/>
+          </a:fillRef>
+          <a:effectRef idx="0">
+            <a:schemeClr val="accent1"/>
+          </a:effectRef>
+          <a:fontRef idx="minor">
+            <a:schemeClr val="lt1"/>
+          </a:fontRef>
+        </p:style>
+        <p:txBody>
+          <a:bodyPr rtlCol="0" anchor="ctr"/>
+          <a:lstStyle/>
+          <a:p>
+            <a:pPr algn="ctr"/>
+            <a:endParaRPr lang="zh-TW" altLang="en-US"/>
+          </a:p>
+        </p:txBody>
+      </p:sp>
+      <p:sp>
+        <p:nvSpPr>
+          <p:cNvPr id="7" name="矩形 6"/>
+          <p:cNvSpPr/>
+          <p:nvPr/>
+        </p:nvSpPr>
+        <p:spPr>
+          <a:xfrm>
+            <a:off x="8939617" y="2940844"/>
+            <a:ext cx="1030677" cy="273844"/>
+          </a:xfrm>
+          <a:prstGeom prst="rect">
+            <a:avLst/>
+          </a:prstGeom>
+          <a:noFill/>
+          <a:ln w="28575">
+            <a:solidFill>
+              <a:srgbClr val="FF0000"/>
+            </a:solidFill>
+          </a:ln>
+        </p:spPr>
+        <p:style>
+          <a:lnRef idx="2">
+            <a:schemeClr val="accent1">
+              <a:shade val="50000"/>
+            </a:schemeClr>
+          </a:lnRef>
+          <a:fillRef idx="1">
+            <a:schemeClr val="accent1"/>
+          </a:fillRef>
+          <a:effectRef idx="0">
+            <a:schemeClr val="accent1"/>
+          </a:effectRef>
+          <a:fontRef idx="minor">
+            <a:schemeClr val="lt1"/>
+          </a:fontRef>
+        </p:style>
+        <p:txBody>
+          <a:bodyPr rtlCol="0" anchor="ctr"/>
+          <a:lstStyle/>
+          <a:p>
+            <a:pPr algn="ctr"/>
+            <a:endParaRPr lang="zh-TW" altLang="en-US"/>
+          </a:p>
+        </p:txBody>
+      </p:sp>
+      <p:sp>
+        <p:nvSpPr>
+          <p:cNvPr id="8" name="文字方塊 7"/>
+          <p:cNvSpPr txBox="1"/>
+          <p:nvPr/>
+        </p:nvSpPr>
+        <p:spPr>
+          <a:xfrm>
+            <a:off x="8390282" y="2152777"/>
+            <a:ext cx="301686" cy="369332"/>
+          </a:xfrm>
+          <a:prstGeom prst="rect">
+            <a:avLst/>
+          </a:prstGeom>
+          <a:noFill/>
+        </p:spPr>
+        <p:txBody>
+          <a:bodyPr wrap="none" rtlCol="0">
+            <a:spAutoFit/>
+          </a:bodyPr>
+          <a:lstStyle/>
+          <a:p>
+            <a:r>
+              <a:rPr lang="en-US" altLang="zh-TW" dirty="0" smtClean="0">
+                <a:solidFill>
+                  <a:srgbClr val="FF0000"/>
+                </a:solidFill>
+              </a:rPr>
+              <a:t>1</a:t>
+            </a:r>
+            <a:endParaRPr lang="zh-TW" altLang="en-US" dirty="0">
+              <a:solidFill>
+                <a:srgbClr val="FF0000"/>
+              </a:solidFill>
+            </a:endParaRPr>
+          </a:p>
+        </p:txBody>
+      </p:sp>
+      <p:sp>
+        <p:nvSpPr>
+          <p:cNvPr id="9" name="文字方塊 8"/>
+          <p:cNvSpPr txBox="1"/>
+          <p:nvPr/>
+        </p:nvSpPr>
+        <p:spPr>
+          <a:xfrm>
+            <a:off x="8419260" y="2571631"/>
+            <a:ext cx="301686" cy="369332"/>
+          </a:xfrm>
+          <a:prstGeom prst="rect">
+            <a:avLst/>
+          </a:prstGeom>
+          <a:noFill/>
+        </p:spPr>
+        <p:txBody>
+          <a:bodyPr wrap="none" rtlCol="0">
+            <a:spAutoFit/>
+          </a:bodyPr>
+          <a:lstStyle/>
+          <a:p>
+            <a:r>
+              <a:rPr lang="en-US" altLang="zh-TW" dirty="0" smtClean="0">
+                <a:solidFill>
+                  <a:srgbClr val="FF0000"/>
+                </a:solidFill>
+              </a:rPr>
+              <a:t>2</a:t>
+            </a:r>
+            <a:endParaRPr lang="zh-TW" altLang="en-US" dirty="0">
+              <a:solidFill>
+                <a:srgbClr val="FF0000"/>
+              </a:solidFill>
+            </a:endParaRPr>
+          </a:p>
+        </p:txBody>
+      </p:sp>
+      <p:sp>
+        <p:nvSpPr>
+          <p:cNvPr id="10" name="文字方塊 9"/>
+          <p:cNvSpPr txBox="1"/>
+          <p:nvPr/>
+        </p:nvSpPr>
+        <p:spPr>
+          <a:xfrm>
+            <a:off x="8637931" y="2893100"/>
+            <a:ext cx="301686" cy="369332"/>
+          </a:xfrm>
+          <a:prstGeom prst="rect">
+            <a:avLst/>
+          </a:prstGeom>
+          <a:noFill/>
+        </p:spPr>
+        <p:txBody>
+          <a:bodyPr wrap="none" rtlCol="0">
+            <a:spAutoFit/>
+          </a:bodyPr>
+          <a:lstStyle/>
+          <a:p>
+            <a:r>
+              <a:rPr lang="en-US" altLang="zh-TW" dirty="0" smtClean="0">
+                <a:solidFill>
+                  <a:srgbClr val="FF0000"/>
+                </a:solidFill>
+              </a:rPr>
+              <a:t>3</a:t>
+            </a:r>
+            <a:endParaRPr lang="zh-TW" altLang="en-US" dirty="0">
+              <a:solidFill>
+                <a:srgbClr val="FF0000"/>
+              </a:solidFill>
+            </a:endParaRPr>
+          </a:p>
+        </p:txBody>
+      </p:sp>
+    </p:spTree>
+    <p:extLst>
+      <p:ext uri="{BB962C8B-B14F-4D97-AF65-F5344CB8AC3E}">
+        <p14:creationId xmlns:p14="http://schemas.microsoft.com/office/powerpoint/2010/main" val="1840041174"/>
+      </p:ext>
+    </p:extLst>
+  </p:cSld>
+  <p:clrMapOvr>
+    <a:masterClrMapping/>
+  </p:clrMapOvr>
+</p:sld>
+</file>
+
+<file path=ppt/slides/slide6.xml><?xml version="1.0" encoding="utf-8"?>
+<p:sld xmlns:a="http://schemas.openxmlformats.org/drawingml/2006/main" xmlns:r="http://schemas.openxmlformats.org/officeDocument/2006/relationships" xmlns:p="http://schemas.openxmlformats.org/presentationml/2006/main">
+  <p:cSld>
+    <p:spTree>
+      <p:nvGrpSpPr>
+        <p:cNvPr id="1" name=""/>
+        <p:cNvGrpSpPr/>
+        <p:nvPr/>
+      </p:nvGrpSpPr>
+      <p:grpSpPr>
+        <a:xfrm>
+          <a:off x="0" y="0"/>
+          <a:ext cx="0" cy="0"/>
+          <a:chOff x="0" y="0"/>
+          <a:chExt cx="0" cy="0"/>
+        </a:xfrm>
+      </p:grpSpPr>
+      <p:pic>
+        <p:nvPicPr>
+          <p:cNvPr id="2" name="圖片 1"/>
+          <p:cNvPicPr>
+            <a:picLocks noChangeAspect="1"/>
+          </p:cNvPicPr>
+          <p:nvPr/>
+        </p:nvPicPr>
+        <p:blipFill>
+          <a:blip r:embed="rId2"/>
+          <a:stretch>
+            <a:fillRect/>
+          </a:stretch>
+        </p:blipFill>
+        <p:spPr>
+          <a:xfrm>
+            <a:off x="1733550" y="276225"/>
+            <a:ext cx="8724900" cy="6305550"/>
+          </a:xfrm>
+          <a:prstGeom prst="rect">
+            <a:avLst/>
+          </a:prstGeom>
+        </p:spPr>
+      </p:pic>
+      <p:sp>
+        <p:nvSpPr>
+          <p:cNvPr id="3" name="矩形 2"/>
+          <p:cNvSpPr/>
+          <p:nvPr/>
+        </p:nvSpPr>
+        <p:spPr>
+          <a:xfrm>
+            <a:off x="9123288" y="714059"/>
+            <a:ext cx="1193904" cy="244774"/>
+          </a:xfrm>
+          <a:prstGeom prst="rect">
+            <a:avLst/>
+          </a:prstGeom>
+          <a:noFill/>
+          <a:ln w="28575">
+            <a:solidFill>
+              <a:srgbClr val="FF0000"/>
+            </a:solidFill>
+          </a:ln>
+        </p:spPr>
+        <p:style>
+          <a:lnRef idx="2">
+            <a:schemeClr val="accent1">
+              <a:shade val="50000"/>
+            </a:schemeClr>
+          </a:lnRef>
+          <a:fillRef idx="1">
+            <a:schemeClr val="accent1"/>
+          </a:fillRef>
+          <a:effectRef idx="0">
+            <a:schemeClr val="accent1"/>
+          </a:effectRef>
+          <a:fontRef idx="minor">
+            <a:schemeClr val="lt1"/>
+          </a:fontRef>
+        </p:style>
+        <p:txBody>
+          <a:bodyPr rtlCol="0" anchor="ctr"/>
+          <a:lstStyle/>
+          <a:p>
+            <a:pPr algn="ctr"/>
+            <a:endParaRPr lang="zh-TW" altLang="en-US"/>
+          </a:p>
+        </p:txBody>
+      </p:sp>
+      <p:sp>
+        <p:nvSpPr>
+          <p:cNvPr id="5" name="矩形 4"/>
+          <p:cNvSpPr/>
+          <p:nvPr/>
+        </p:nvSpPr>
+        <p:spPr>
+          <a:xfrm>
+            <a:off x="1974864" y="2548609"/>
+            <a:ext cx="4014456" cy="289482"/>
+          </a:xfrm>
+          <a:prstGeom prst="rect">
+            <a:avLst/>
+          </a:prstGeom>
+          <a:noFill/>
+          <a:ln w="28575">
+            <a:solidFill>
+              <a:srgbClr val="FF0000"/>
+            </a:solidFill>
+          </a:ln>
+        </p:spPr>
+        <p:style>
+          <a:lnRef idx="2">
+            <a:schemeClr val="accent1">
+              <a:shade val="50000"/>
+            </a:schemeClr>
+          </a:lnRef>
+          <a:fillRef idx="1">
+            <a:schemeClr val="accent1"/>
+          </a:fillRef>
+          <a:effectRef idx="0">
+            <a:schemeClr val="accent1"/>
+          </a:effectRef>
+          <a:fontRef idx="minor">
+            <a:schemeClr val="lt1"/>
+          </a:fontRef>
+        </p:style>
+        <p:txBody>
+          <a:bodyPr rtlCol="0" anchor="ctr"/>
+          <a:lstStyle/>
+          <a:p>
+            <a:pPr algn="ctr"/>
+            <a:endParaRPr lang="zh-TW" altLang="en-US"/>
+          </a:p>
+        </p:txBody>
+      </p:sp>
+      <p:sp>
+        <p:nvSpPr>
+          <p:cNvPr id="6" name="矩形 5"/>
+          <p:cNvSpPr/>
+          <p:nvPr/>
+        </p:nvSpPr>
+        <p:spPr>
+          <a:xfrm>
+            <a:off x="4141165" y="2875602"/>
+            <a:ext cx="1526210" cy="289482"/>
+          </a:xfrm>
+          <a:prstGeom prst="rect">
+            <a:avLst/>
+          </a:prstGeom>
+          <a:noFill/>
+          <a:ln w="28575">
+            <a:solidFill>
+              <a:srgbClr val="FF0000"/>
+            </a:solidFill>
+          </a:ln>
+        </p:spPr>
+        <p:style>
+          <a:lnRef idx="2">
+            <a:schemeClr val="accent1">
+              <a:shade val="50000"/>
+            </a:schemeClr>
+          </a:lnRef>
+          <a:fillRef idx="1">
+            <a:schemeClr val="accent1"/>
+          </a:fillRef>
+          <a:effectRef idx="0">
+            <a:schemeClr val="accent1"/>
+          </a:effectRef>
+          <a:fontRef idx="minor">
+            <a:schemeClr val="lt1"/>
+          </a:fontRef>
+        </p:style>
+        <p:txBody>
+          <a:bodyPr rtlCol="0" anchor="ctr"/>
+          <a:lstStyle/>
+          <a:p>
+            <a:pPr algn="ctr"/>
+            <a:endParaRPr lang="zh-TW" altLang="en-US"/>
+          </a:p>
+        </p:txBody>
+      </p:sp>
+      <p:sp>
+        <p:nvSpPr>
+          <p:cNvPr id="7" name="矩形 6"/>
+          <p:cNvSpPr/>
+          <p:nvPr/>
+        </p:nvSpPr>
+        <p:spPr>
+          <a:xfrm>
+            <a:off x="1974864" y="3858582"/>
+            <a:ext cx="2406636" cy="289482"/>
+          </a:xfrm>
+          <a:prstGeom prst="rect">
+            <a:avLst/>
+          </a:prstGeom>
+          <a:noFill/>
+          <a:ln w="28575">
+            <a:solidFill>
+              <a:srgbClr val="FF0000"/>
+            </a:solidFill>
+          </a:ln>
+        </p:spPr>
+        <p:style>
+          <a:lnRef idx="2">
+            <a:schemeClr val="accent1">
+              <a:shade val="50000"/>
+            </a:schemeClr>
+          </a:lnRef>
+          <a:fillRef idx="1">
+            <a:schemeClr val="accent1"/>
+          </a:fillRef>
+          <a:effectRef idx="0">
+            <a:schemeClr val="accent1"/>
+          </a:effectRef>
+          <a:fontRef idx="minor">
+            <a:schemeClr val="lt1"/>
+          </a:fontRef>
+        </p:style>
+        <p:txBody>
+          <a:bodyPr rtlCol="0" anchor="ctr"/>
+          <a:lstStyle/>
+          <a:p>
+            <a:pPr algn="ctr"/>
+            <a:endParaRPr lang="zh-TW" altLang="en-US"/>
+          </a:p>
+        </p:txBody>
+      </p:sp>
+      <p:sp>
+        <p:nvSpPr>
+          <p:cNvPr id="8" name="矩形 7"/>
+          <p:cNvSpPr/>
+          <p:nvPr/>
+        </p:nvSpPr>
+        <p:spPr>
+          <a:xfrm>
+            <a:off x="2543354" y="4462066"/>
+            <a:ext cx="1289506" cy="289482"/>
+          </a:xfrm>
+          <a:prstGeom prst="rect">
+            <a:avLst/>
+          </a:prstGeom>
+          <a:noFill/>
+          <a:ln w="28575">
+            <a:solidFill>
+              <a:srgbClr val="FF0000"/>
+            </a:solidFill>
+          </a:ln>
+        </p:spPr>
+        <p:style>
+          <a:lnRef idx="2">
+            <a:schemeClr val="accent1">
+              <a:shade val="50000"/>
+            </a:schemeClr>
+          </a:lnRef>
+          <a:fillRef idx="1">
+            <a:schemeClr val="accent1"/>
+          </a:fillRef>
+          <a:effectRef idx="0">
+            <a:schemeClr val="accent1"/>
+          </a:effectRef>
+          <a:fontRef idx="minor">
+            <a:schemeClr val="lt1"/>
+          </a:fontRef>
+        </p:style>
+        <p:txBody>
+          <a:bodyPr rtlCol="0" anchor="ctr"/>
+          <a:lstStyle/>
+          <a:p>
+            <a:pPr algn="ctr"/>
+            <a:endParaRPr lang="zh-TW" altLang="en-US"/>
+          </a:p>
+        </p:txBody>
+      </p:sp>
+      <p:sp>
+        <p:nvSpPr>
+          <p:cNvPr id="9" name="矩形 8"/>
+          <p:cNvSpPr/>
+          <p:nvPr/>
+        </p:nvSpPr>
+        <p:spPr>
+          <a:xfrm>
+            <a:off x="1952004" y="5377178"/>
+            <a:ext cx="4067796" cy="657861"/>
+          </a:xfrm>
+          <a:prstGeom prst="rect">
+            <a:avLst/>
+          </a:prstGeom>
+          <a:noFill/>
+          <a:ln w="28575">
+            <a:solidFill>
+              <a:srgbClr val="FF0000"/>
+            </a:solidFill>
+          </a:ln>
+        </p:spPr>
+        <p:style>
+          <a:lnRef idx="2">
+            <a:schemeClr val="accent1">
+              <a:shade val="50000"/>
+            </a:schemeClr>
+          </a:lnRef>
+          <a:fillRef idx="1">
+            <a:schemeClr val="accent1"/>
+          </a:fillRef>
+          <a:effectRef idx="0">
+            <a:schemeClr val="accent1"/>
+          </a:effectRef>
+          <a:fontRef idx="minor">
+            <a:schemeClr val="lt1"/>
+          </a:fontRef>
+        </p:style>
+        <p:txBody>
+          <a:bodyPr rtlCol="0" anchor="ctr"/>
+          <a:lstStyle/>
+          <a:p>
+            <a:pPr algn="ctr"/>
+            <a:endParaRPr lang="zh-TW" altLang="en-US"/>
+          </a:p>
+        </p:txBody>
+      </p:sp>
+      <p:pic>
+        <p:nvPicPr>
+          <p:cNvPr id="10" name="圖片 9"/>
+          <p:cNvPicPr>
+            <a:picLocks noChangeAspect="1"/>
+          </p:cNvPicPr>
+          <p:nvPr/>
+        </p:nvPicPr>
+        <p:blipFill>
+          <a:blip r:embed="rId3"/>
+          <a:stretch>
+            <a:fillRect/>
+          </a:stretch>
+        </p:blipFill>
+        <p:spPr>
+          <a:xfrm>
+            <a:off x="6691792" y="3280097"/>
+            <a:ext cx="3286125" cy="1857375"/>
+          </a:xfrm>
+          <a:prstGeom prst="rect">
+            <a:avLst/>
+          </a:prstGeom>
+        </p:spPr>
+      </p:pic>
+      <p:sp>
+        <p:nvSpPr>
+          <p:cNvPr id="12" name="矩形 11"/>
+          <p:cNvSpPr/>
+          <p:nvPr/>
+        </p:nvSpPr>
+        <p:spPr>
+          <a:xfrm>
+            <a:off x="6849913" y="3987368"/>
+            <a:ext cx="1889106" cy="289482"/>
+          </a:xfrm>
+          <a:prstGeom prst="rect">
+            <a:avLst/>
+          </a:prstGeom>
+          <a:noFill/>
+          <a:ln w="28575">
+            <a:solidFill>
+              <a:srgbClr val="FF0000"/>
+            </a:solidFill>
+          </a:ln>
+        </p:spPr>
+        <p:style>
+          <a:lnRef idx="2">
+            <a:schemeClr val="accent1">
+              <a:shade val="50000"/>
+            </a:schemeClr>
+          </a:lnRef>
+          <a:fillRef idx="1">
+            <a:schemeClr val="accent1"/>
+          </a:fillRef>
+          <a:effectRef idx="0">
+            <a:schemeClr val="accent1"/>
+          </a:effectRef>
+          <a:fontRef idx="minor">
+            <a:schemeClr val="lt1"/>
+          </a:fontRef>
+        </p:style>
+        <p:txBody>
+          <a:bodyPr rtlCol="0" anchor="ctr"/>
+          <a:lstStyle/>
+          <a:p>
+            <a:pPr algn="ctr"/>
+            <a:endParaRPr lang="zh-TW" altLang="en-US"/>
+          </a:p>
+        </p:txBody>
+      </p:sp>
+      <p:sp>
+        <p:nvSpPr>
+          <p:cNvPr id="13" name="矩形 12"/>
+          <p:cNvSpPr/>
+          <p:nvPr/>
+        </p:nvSpPr>
+        <p:spPr>
+          <a:xfrm>
+            <a:off x="7509519" y="4692258"/>
+            <a:ext cx="1095375" cy="289482"/>
+          </a:xfrm>
+          <a:prstGeom prst="rect">
+            <a:avLst/>
+          </a:prstGeom>
+          <a:noFill/>
+          <a:ln w="28575">
+            <a:solidFill>
+              <a:srgbClr val="FF0000"/>
+            </a:solidFill>
+          </a:ln>
+        </p:spPr>
+        <p:style>
+          <a:lnRef idx="2">
+            <a:schemeClr val="accent1">
+              <a:shade val="50000"/>
+            </a:schemeClr>
+          </a:lnRef>
+          <a:fillRef idx="1">
+            <a:schemeClr val="accent1"/>
+          </a:fillRef>
+          <a:effectRef idx="0">
+            <a:schemeClr val="accent1"/>
+          </a:effectRef>
+          <a:fontRef idx="minor">
+            <a:schemeClr val="lt1"/>
+          </a:fontRef>
+        </p:style>
+        <p:txBody>
+          <a:bodyPr rtlCol="0" anchor="ctr"/>
+          <a:lstStyle/>
+          <a:p>
+            <a:pPr algn="ctr"/>
+            <a:endParaRPr lang="zh-TW" altLang="en-US"/>
+          </a:p>
+        </p:txBody>
+      </p:sp>
+      <p:sp>
+        <p:nvSpPr>
+          <p:cNvPr id="14" name="文字方塊 13"/>
+          <p:cNvSpPr txBox="1"/>
+          <p:nvPr/>
+        </p:nvSpPr>
+        <p:spPr>
+          <a:xfrm>
+            <a:off x="8821602" y="651780"/>
+            <a:ext cx="301686" cy="369332"/>
+          </a:xfrm>
+          <a:prstGeom prst="rect">
+            <a:avLst/>
+          </a:prstGeom>
+          <a:noFill/>
+        </p:spPr>
+        <p:txBody>
+          <a:bodyPr wrap="none" rtlCol="0">
+            <a:spAutoFit/>
+          </a:bodyPr>
+          <a:lstStyle/>
+          <a:p>
+            <a:r>
+              <a:rPr lang="en-US" altLang="zh-TW" dirty="0" smtClean="0">
+                <a:solidFill>
+                  <a:srgbClr val="FF0000"/>
+                </a:solidFill>
+              </a:rPr>
+              <a:t>1</a:t>
+            </a:r>
+            <a:endParaRPr lang="zh-TW" altLang="en-US" dirty="0">
+              <a:solidFill>
+                <a:srgbClr val="FF0000"/>
+              </a:solidFill>
+            </a:endParaRPr>
+          </a:p>
+        </p:txBody>
+      </p:sp>
+      <p:sp>
+        <p:nvSpPr>
+          <p:cNvPr id="15" name="矩形 14"/>
+          <p:cNvSpPr/>
+          <p:nvPr/>
+        </p:nvSpPr>
+        <p:spPr>
+          <a:xfrm>
+            <a:off x="8617792" y="1702505"/>
+            <a:ext cx="1080000" cy="1080000"/>
+          </a:xfrm>
+          <a:prstGeom prst="rect">
+            <a:avLst/>
+          </a:prstGeom>
+          <a:noFill/>
+          <a:ln w="28575">
+            <a:solidFill>
+              <a:srgbClr val="00B0F0"/>
+            </a:solidFill>
+          </a:ln>
+        </p:spPr>
+        <p:style>
+          <a:lnRef idx="2">
+            <a:schemeClr val="accent1">
+              <a:shade val="50000"/>
+            </a:schemeClr>
+          </a:lnRef>
+          <a:fillRef idx="1">
+            <a:schemeClr val="accent1"/>
+          </a:fillRef>
+          <a:effectRef idx="0">
+            <a:schemeClr val="accent1"/>
+          </a:effectRef>
+          <a:fontRef idx="minor">
+            <a:schemeClr val="lt1"/>
+          </a:fontRef>
+        </p:style>
+        <p:txBody>
+          <a:bodyPr rtlCol="0" anchor="ctr"/>
+          <a:lstStyle/>
+          <a:p>
+            <a:pPr algn="ctr"/>
+            <a:endParaRPr lang="zh-TW" altLang="en-US" dirty="0"/>
+          </a:p>
+        </p:txBody>
+      </p:sp>
+      <p:sp>
+        <p:nvSpPr>
+          <p:cNvPr id="16" name="文字方塊 15"/>
+          <p:cNvSpPr txBox="1"/>
+          <p:nvPr/>
+        </p:nvSpPr>
+        <p:spPr>
+          <a:xfrm>
+            <a:off x="6548227" y="3947443"/>
+            <a:ext cx="301686" cy="369332"/>
+          </a:xfrm>
+          <a:prstGeom prst="rect">
+            <a:avLst/>
+          </a:prstGeom>
+          <a:noFill/>
+        </p:spPr>
+        <p:txBody>
+          <a:bodyPr wrap="none" rtlCol="0">
+            <a:spAutoFit/>
+          </a:bodyPr>
+          <a:lstStyle/>
+          <a:p>
+            <a:r>
+              <a:rPr lang="en-US" altLang="zh-TW" dirty="0" smtClean="0">
+                <a:solidFill>
+                  <a:srgbClr val="FF0000"/>
+                </a:solidFill>
+              </a:rPr>
+              <a:t>2</a:t>
+            </a:r>
+            <a:endParaRPr lang="zh-TW" altLang="en-US" dirty="0">
+              <a:solidFill>
+                <a:srgbClr val="FF0000"/>
+              </a:solidFill>
+            </a:endParaRPr>
+          </a:p>
+        </p:txBody>
+      </p:sp>
+      <p:sp>
+        <p:nvSpPr>
+          <p:cNvPr id="17" name="文字方塊 16"/>
+          <p:cNvSpPr txBox="1"/>
+          <p:nvPr/>
+        </p:nvSpPr>
+        <p:spPr>
+          <a:xfrm>
+            <a:off x="7207833" y="4652333"/>
+            <a:ext cx="301686" cy="369332"/>
+          </a:xfrm>
+          <a:prstGeom prst="rect">
+            <a:avLst/>
+          </a:prstGeom>
+          <a:noFill/>
+        </p:spPr>
+        <p:txBody>
+          <a:bodyPr wrap="none" rtlCol="0">
+            <a:spAutoFit/>
+          </a:bodyPr>
+          <a:lstStyle/>
+          <a:p>
+            <a:r>
+              <a:rPr lang="en-US" altLang="zh-TW" dirty="0" smtClean="0">
+                <a:solidFill>
+                  <a:srgbClr val="FF0000"/>
+                </a:solidFill>
+              </a:rPr>
+              <a:t>3</a:t>
+            </a:r>
+            <a:endParaRPr lang="zh-TW" altLang="en-US" dirty="0">
+              <a:solidFill>
+                <a:srgbClr val="FF0000"/>
+              </a:solidFill>
+            </a:endParaRPr>
+          </a:p>
+        </p:txBody>
+      </p:sp>
+      <p:sp>
+        <p:nvSpPr>
+          <p:cNvPr id="18" name="文字方塊 17"/>
+          <p:cNvSpPr txBox="1"/>
+          <p:nvPr/>
+        </p:nvSpPr>
+        <p:spPr>
+          <a:xfrm>
+            <a:off x="1974864" y="2179277"/>
+            <a:ext cx="301686" cy="369332"/>
+          </a:xfrm>
+          <a:prstGeom prst="rect">
+            <a:avLst/>
+          </a:prstGeom>
+          <a:noFill/>
+        </p:spPr>
+        <p:txBody>
+          <a:bodyPr wrap="none" rtlCol="0">
+            <a:spAutoFit/>
+          </a:bodyPr>
+          <a:lstStyle/>
+          <a:p>
+            <a:r>
+              <a:rPr lang="en-US" altLang="zh-TW" dirty="0" smtClean="0">
+                <a:solidFill>
+                  <a:srgbClr val="FF0000"/>
+                </a:solidFill>
+              </a:rPr>
+              <a:t>4</a:t>
+            </a:r>
+            <a:endParaRPr lang="zh-TW" altLang="en-US" dirty="0">
+              <a:solidFill>
+                <a:srgbClr val="FF0000"/>
+              </a:solidFill>
+            </a:endParaRPr>
+          </a:p>
+        </p:txBody>
+      </p:sp>
+      <p:sp>
+        <p:nvSpPr>
+          <p:cNvPr id="19" name="文字方塊 18"/>
+          <p:cNvSpPr txBox="1"/>
+          <p:nvPr/>
+        </p:nvSpPr>
+        <p:spPr>
+          <a:xfrm>
+            <a:off x="3839479" y="2831508"/>
+            <a:ext cx="301686" cy="369332"/>
+          </a:xfrm>
+          <a:prstGeom prst="rect">
+            <a:avLst/>
+          </a:prstGeom>
+          <a:noFill/>
+        </p:spPr>
+        <p:txBody>
+          <a:bodyPr wrap="none" rtlCol="0">
+            <a:spAutoFit/>
+          </a:bodyPr>
+          <a:lstStyle/>
+          <a:p>
+            <a:r>
+              <a:rPr lang="en-US" altLang="zh-TW" dirty="0" smtClean="0">
+                <a:solidFill>
+                  <a:srgbClr val="FF0000"/>
+                </a:solidFill>
+              </a:rPr>
+              <a:t>5</a:t>
+            </a:r>
+            <a:endParaRPr lang="zh-TW" altLang="en-US" dirty="0">
+              <a:solidFill>
+                <a:srgbClr val="FF0000"/>
+              </a:solidFill>
+            </a:endParaRPr>
+          </a:p>
+        </p:txBody>
+      </p:sp>
+      <p:sp>
+        <p:nvSpPr>
+          <p:cNvPr id="20" name="文字方塊 19"/>
+          <p:cNvSpPr txBox="1"/>
+          <p:nvPr/>
+        </p:nvSpPr>
+        <p:spPr>
+          <a:xfrm>
+            <a:off x="4381500" y="3818657"/>
+            <a:ext cx="301686" cy="369332"/>
+          </a:xfrm>
+          <a:prstGeom prst="rect">
+            <a:avLst/>
+          </a:prstGeom>
+          <a:noFill/>
+        </p:spPr>
+        <p:txBody>
+          <a:bodyPr wrap="none" rtlCol="0">
+            <a:spAutoFit/>
+          </a:bodyPr>
+          <a:lstStyle/>
+          <a:p>
+            <a:r>
+              <a:rPr lang="en-US" altLang="zh-TW" dirty="0" smtClean="0">
+                <a:solidFill>
+                  <a:srgbClr val="FF0000"/>
+                </a:solidFill>
+              </a:rPr>
+              <a:t>6</a:t>
+            </a:r>
+            <a:endParaRPr lang="zh-TW" altLang="en-US" dirty="0">
+              <a:solidFill>
+                <a:srgbClr val="FF0000"/>
+              </a:solidFill>
+            </a:endParaRPr>
+          </a:p>
+        </p:txBody>
+      </p:sp>
+      <p:sp>
+        <p:nvSpPr>
+          <p:cNvPr id="21" name="文字方塊 20"/>
+          <p:cNvSpPr txBox="1"/>
+          <p:nvPr/>
+        </p:nvSpPr>
+        <p:spPr>
+          <a:xfrm>
+            <a:off x="3825582" y="4422141"/>
+            <a:ext cx="301686" cy="369332"/>
+          </a:xfrm>
+          <a:prstGeom prst="rect">
+            <a:avLst/>
+          </a:prstGeom>
+          <a:noFill/>
+        </p:spPr>
+        <p:txBody>
+          <a:bodyPr wrap="none" rtlCol="0">
+            <a:spAutoFit/>
+          </a:bodyPr>
+          <a:lstStyle/>
+          <a:p>
+            <a:r>
+              <a:rPr lang="en-US" altLang="zh-TW" dirty="0" smtClean="0">
+                <a:solidFill>
+                  <a:srgbClr val="FF0000"/>
+                </a:solidFill>
+              </a:rPr>
+              <a:t>7</a:t>
+            </a:r>
+            <a:endParaRPr lang="zh-TW" altLang="en-US" dirty="0">
+              <a:solidFill>
+                <a:srgbClr val="FF0000"/>
+              </a:solidFill>
+            </a:endParaRPr>
+          </a:p>
+        </p:txBody>
+      </p:sp>
+      <p:sp>
+        <p:nvSpPr>
+          <p:cNvPr id="22" name="文字方塊 21"/>
+          <p:cNvSpPr txBox="1"/>
+          <p:nvPr/>
+        </p:nvSpPr>
+        <p:spPr>
+          <a:xfrm>
+            <a:off x="3835241" y="5007846"/>
+            <a:ext cx="301686" cy="369332"/>
+          </a:xfrm>
+          <a:prstGeom prst="rect">
+            <a:avLst/>
+          </a:prstGeom>
+          <a:noFill/>
+        </p:spPr>
+        <p:txBody>
+          <a:bodyPr wrap="none" rtlCol="0">
+            <a:spAutoFit/>
+          </a:bodyPr>
+          <a:lstStyle/>
+          <a:p>
+            <a:r>
+              <a:rPr lang="en-US" altLang="zh-TW" dirty="0" smtClean="0">
+                <a:solidFill>
+                  <a:srgbClr val="FF0000"/>
+                </a:solidFill>
+              </a:rPr>
+              <a:t>8</a:t>
+            </a:r>
+            <a:endParaRPr lang="zh-TW" altLang="en-US" dirty="0">
+              <a:solidFill>
+                <a:srgbClr val="FF0000"/>
+              </a:solidFill>
+            </a:endParaRPr>
+          </a:p>
+        </p:txBody>
+      </p:sp>
+      <p:sp>
+        <p:nvSpPr>
+          <p:cNvPr id="23" name="矩形 22"/>
+          <p:cNvSpPr/>
+          <p:nvPr/>
+        </p:nvSpPr>
+        <p:spPr>
+          <a:xfrm>
+            <a:off x="7115817" y="6159899"/>
+            <a:ext cx="854227" cy="289482"/>
+          </a:xfrm>
+          <a:prstGeom prst="rect">
+            <a:avLst/>
+          </a:prstGeom>
+          <a:noFill/>
+          <a:ln w="28575">
+            <a:solidFill>
+              <a:srgbClr val="FF0000"/>
+            </a:solidFill>
+          </a:ln>
+        </p:spPr>
+        <p:style>
+          <a:lnRef idx="2">
+            <a:schemeClr val="accent1">
+              <a:shade val="50000"/>
+            </a:schemeClr>
+          </a:lnRef>
+          <a:fillRef idx="1">
+            <a:schemeClr val="accent1"/>
+          </a:fillRef>
+          <a:effectRef idx="0">
+            <a:schemeClr val="accent1"/>
+          </a:effectRef>
+          <a:fontRef idx="minor">
+            <a:schemeClr val="lt1"/>
+          </a:fontRef>
+        </p:style>
+        <p:txBody>
+          <a:bodyPr rtlCol="0" anchor="ctr"/>
+          <a:lstStyle/>
+          <a:p>
+            <a:pPr algn="ctr"/>
+            <a:endParaRPr lang="zh-TW" altLang="en-US"/>
+          </a:p>
+        </p:txBody>
+      </p:sp>
+      <p:sp>
+        <p:nvSpPr>
+          <p:cNvPr id="24" name="文字方塊 23"/>
+          <p:cNvSpPr txBox="1"/>
+          <p:nvPr/>
+        </p:nvSpPr>
+        <p:spPr>
+          <a:xfrm>
+            <a:off x="6814131" y="6119974"/>
+            <a:ext cx="301686" cy="369332"/>
+          </a:xfrm>
+          <a:prstGeom prst="rect">
+            <a:avLst/>
+          </a:prstGeom>
+          <a:noFill/>
+        </p:spPr>
+        <p:txBody>
+          <a:bodyPr wrap="none" rtlCol="0">
+            <a:spAutoFit/>
+          </a:bodyPr>
+          <a:lstStyle/>
+          <a:p>
+            <a:r>
+              <a:rPr lang="en-US" altLang="zh-TW" dirty="0" smtClean="0">
+                <a:solidFill>
+                  <a:srgbClr val="FF0000"/>
+                </a:solidFill>
+              </a:rPr>
+              <a:t>9</a:t>
+            </a:r>
+            <a:endParaRPr lang="zh-TW" altLang="en-US" dirty="0">
+              <a:solidFill>
+                <a:srgbClr val="FF0000"/>
+              </a:solidFill>
+            </a:endParaRPr>
+          </a:p>
+        </p:txBody>
+      </p:sp>
+    </p:spTree>
+    <p:extLst>
+      <p:ext uri="{BB962C8B-B14F-4D97-AF65-F5344CB8AC3E}">
+        <p14:creationId xmlns:p14="http://schemas.microsoft.com/office/powerpoint/2010/main" val="3225317333"/>
+      </p:ext>
+    </p:extLst>
+  </p:cSld>
+  <p:clrMapOvr>
+    <a:masterClrMapping/>
+  </p:clrMapOvr>
+</p:sld>
+</file>
+
 <file path=ppt/theme/theme1.xml><?xml version="1.0" encoding="utf-8"?>
 <a:theme xmlns:a="http://schemas.openxmlformats.org/drawingml/2006/main" name="Office 佈景主題">
   <a:themeElements>

--- a/image/images.pptx
+++ b/image/images.pptx
@@ -11,6 +11,9 @@
     <p:sldId id="259" r:id="rId5"/>
     <p:sldId id="260" r:id="rId6"/>
     <p:sldId id="261" r:id="rId7"/>
+    <p:sldId id="262" r:id="rId8"/>
+    <p:sldId id="263" r:id="rId9"/>
+    <p:sldId id="264" r:id="rId10"/>
   </p:sldIdLst>
   <p:sldSz cx="12192000" cy="6858000"/>
   <p:notesSz cx="6858000" cy="9144000"/>
@@ -259,7 +262,7 @@
           <a:p>
             <a:fld id="{56DE6451-BBA6-47FD-9167-15DF202D03EB}" type="datetimeFigureOut">
               <a:rPr lang="zh-TW" altLang="en-US" smtClean="0"/>
-              <a:t>2018/6/4</a:t>
+              <a:t>2018/6/5</a:t>
             </a:fld>
             <a:endParaRPr lang="zh-TW" altLang="en-US"/>
           </a:p>
@@ -429,7 +432,7 @@
           <a:p>
             <a:fld id="{56DE6451-BBA6-47FD-9167-15DF202D03EB}" type="datetimeFigureOut">
               <a:rPr lang="zh-TW" altLang="en-US" smtClean="0"/>
-              <a:t>2018/6/4</a:t>
+              <a:t>2018/6/5</a:t>
             </a:fld>
             <a:endParaRPr lang="zh-TW" altLang="en-US"/>
           </a:p>
@@ -609,7 +612,7 @@
           <a:p>
             <a:fld id="{56DE6451-BBA6-47FD-9167-15DF202D03EB}" type="datetimeFigureOut">
               <a:rPr lang="zh-TW" altLang="en-US" smtClean="0"/>
-              <a:t>2018/6/4</a:t>
+              <a:t>2018/6/5</a:t>
             </a:fld>
             <a:endParaRPr lang="zh-TW" altLang="en-US"/>
           </a:p>
@@ -779,7 +782,7 @@
           <a:p>
             <a:fld id="{56DE6451-BBA6-47FD-9167-15DF202D03EB}" type="datetimeFigureOut">
               <a:rPr lang="zh-TW" altLang="en-US" smtClean="0"/>
-              <a:t>2018/6/4</a:t>
+              <a:t>2018/6/5</a:t>
             </a:fld>
             <a:endParaRPr lang="zh-TW" altLang="en-US"/>
           </a:p>
@@ -1025,7 +1028,7 @@
           <a:p>
             <a:fld id="{56DE6451-BBA6-47FD-9167-15DF202D03EB}" type="datetimeFigureOut">
               <a:rPr lang="zh-TW" altLang="en-US" smtClean="0"/>
-              <a:t>2018/6/4</a:t>
+              <a:t>2018/6/5</a:t>
             </a:fld>
             <a:endParaRPr lang="zh-TW" altLang="en-US"/>
           </a:p>
@@ -1257,7 +1260,7 @@
           <a:p>
             <a:fld id="{56DE6451-BBA6-47FD-9167-15DF202D03EB}" type="datetimeFigureOut">
               <a:rPr lang="zh-TW" altLang="en-US" smtClean="0"/>
-              <a:t>2018/6/4</a:t>
+              <a:t>2018/6/5</a:t>
             </a:fld>
             <a:endParaRPr lang="zh-TW" altLang="en-US"/>
           </a:p>
@@ -1624,7 +1627,7 @@
           <a:p>
             <a:fld id="{56DE6451-BBA6-47FD-9167-15DF202D03EB}" type="datetimeFigureOut">
               <a:rPr lang="zh-TW" altLang="en-US" smtClean="0"/>
-              <a:t>2018/6/4</a:t>
+              <a:t>2018/6/5</a:t>
             </a:fld>
             <a:endParaRPr lang="zh-TW" altLang="en-US"/>
           </a:p>
@@ -1742,7 +1745,7 @@
           <a:p>
             <a:fld id="{56DE6451-BBA6-47FD-9167-15DF202D03EB}" type="datetimeFigureOut">
               <a:rPr lang="zh-TW" altLang="en-US" smtClean="0"/>
-              <a:t>2018/6/4</a:t>
+              <a:t>2018/6/5</a:t>
             </a:fld>
             <a:endParaRPr lang="zh-TW" altLang="en-US"/>
           </a:p>
@@ -1837,7 +1840,7 @@
           <a:p>
             <a:fld id="{56DE6451-BBA6-47FD-9167-15DF202D03EB}" type="datetimeFigureOut">
               <a:rPr lang="zh-TW" altLang="en-US" smtClean="0"/>
-              <a:t>2018/6/4</a:t>
+              <a:t>2018/6/5</a:t>
             </a:fld>
             <a:endParaRPr lang="zh-TW" altLang="en-US"/>
           </a:p>
@@ -2114,7 +2117,7 @@
           <a:p>
             <a:fld id="{56DE6451-BBA6-47FD-9167-15DF202D03EB}" type="datetimeFigureOut">
               <a:rPr lang="zh-TW" altLang="en-US" smtClean="0"/>
-              <a:t>2018/6/4</a:t>
+              <a:t>2018/6/5</a:t>
             </a:fld>
             <a:endParaRPr lang="zh-TW" altLang="en-US"/>
           </a:p>
@@ -2367,7 +2370,7 @@
           <a:p>
             <a:fld id="{56DE6451-BBA6-47FD-9167-15DF202D03EB}" type="datetimeFigureOut">
               <a:rPr lang="zh-TW" altLang="en-US" smtClean="0"/>
-              <a:t>2018/6/4</a:t>
+              <a:t>2018/6/5</a:t>
             </a:fld>
             <a:endParaRPr lang="zh-TW" altLang="en-US"/>
           </a:p>
@@ -2580,7 +2583,7 @@
           <a:p>
             <a:fld id="{56DE6451-BBA6-47FD-9167-15DF202D03EB}" type="datetimeFigureOut">
               <a:rPr lang="zh-TW" altLang="en-US" smtClean="0"/>
-              <a:t>2018/6/4</a:t>
+              <a:t>2018/6/5</a:t>
             </a:fld>
             <a:endParaRPr lang="zh-TW" altLang="en-US"/>
           </a:p>
@@ -5390,6 +5393,1362 @@
 </p:sld>
 </file>
 
+<file path=ppt/slides/slide7.xml><?xml version="1.0" encoding="utf-8"?>
+<p:sld xmlns:a="http://schemas.openxmlformats.org/drawingml/2006/main" xmlns:r="http://schemas.openxmlformats.org/officeDocument/2006/relationships" xmlns:p="http://schemas.openxmlformats.org/presentationml/2006/main">
+  <p:cSld>
+    <p:spTree>
+      <p:nvGrpSpPr>
+        <p:cNvPr id="1" name=""/>
+        <p:cNvGrpSpPr/>
+        <p:nvPr/>
+      </p:nvGrpSpPr>
+      <p:grpSpPr>
+        <a:xfrm>
+          <a:off x="0" y="0"/>
+          <a:ext cx="0" cy="0"/>
+          <a:chOff x="0" y="0"/>
+          <a:chExt cx="0" cy="0"/>
+        </a:xfrm>
+      </p:grpSpPr>
+      <p:pic>
+        <p:nvPicPr>
+          <p:cNvPr id="2" name="圖片 1"/>
+          <p:cNvPicPr>
+            <a:picLocks noChangeAspect="1"/>
+          </p:cNvPicPr>
+          <p:nvPr/>
+        </p:nvPicPr>
+        <p:blipFill>
+          <a:blip r:embed="rId2"/>
+          <a:stretch>
+            <a:fillRect/>
+          </a:stretch>
+        </p:blipFill>
+        <p:spPr>
+          <a:xfrm>
+            <a:off x="2524125" y="1352550"/>
+            <a:ext cx="7143750" cy="4152900"/>
+          </a:xfrm>
+          <a:prstGeom prst="rect">
+            <a:avLst/>
+          </a:prstGeom>
+        </p:spPr>
+      </p:pic>
+      <p:sp>
+        <p:nvSpPr>
+          <p:cNvPr id="3" name="矩形 2"/>
+          <p:cNvSpPr/>
+          <p:nvPr/>
+        </p:nvSpPr>
+        <p:spPr>
+          <a:xfrm>
+            <a:off x="3722481" y="2366513"/>
+            <a:ext cx="909050" cy="283818"/>
+          </a:xfrm>
+          <a:prstGeom prst="rect">
+            <a:avLst/>
+          </a:prstGeom>
+          <a:noFill/>
+          <a:ln w="28575">
+            <a:solidFill>
+              <a:srgbClr val="00B0F0"/>
+            </a:solidFill>
+          </a:ln>
+        </p:spPr>
+        <p:style>
+          <a:lnRef idx="2">
+            <a:schemeClr val="accent1">
+              <a:shade val="50000"/>
+            </a:schemeClr>
+          </a:lnRef>
+          <a:fillRef idx="1">
+            <a:schemeClr val="accent1"/>
+          </a:fillRef>
+          <a:effectRef idx="0">
+            <a:schemeClr val="accent1"/>
+          </a:effectRef>
+          <a:fontRef idx="minor">
+            <a:schemeClr val="lt1"/>
+          </a:fontRef>
+        </p:style>
+        <p:txBody>
+          <a:bodyPr rtlCol="0" anchor="ctr"/>
+          <a:lstStyle/>
+          <a:p>
+            <a:pPr algn="ctr"/>
+            <a:endParaRPr lang="zh-TW" altLang="en-US" dirty="0"/>
+          </a:p>
+        </p:txBody>
+      </p:sp>
+      <p:sp>
+        <p:nvSpPr>
+          <p:cNvPr id="4" name="矩形 3"/>
+          <p:cNvSpPr/>
+          <p:nvPr/>
+        </p:nvSpPr>
+        <p:spPr>
+          <a:xfrm>
+            <a:off x="4370180" y="4185788"/>
+            <a:ext cx="1725819" cy="283818"/>
+          </a:xfrm>
+          <a:prstGeom prst="rect">
+            <a:avLst/>
+          </a:prstGeom>
+          <a:noFill/>
+          <a:ln w="28575">
+            <a:solidFill>
+              <a:srgbClr val="00B0F0"/>
+            </a:solidFill>
+          </a:ln>
+        </p:spPr>
+        <p:style>
+          <a:lnRef idx="2">
+            <a:schemeClr val="accent1">
+              <a:shade val="50000"/>
+            </a:schemeClr>
+          </a:lnRef>
+          <a:fillRef idx="1">
+            <a:schemeClr val="accent1"/>
+          </a:fillRef>
+          <a:effectRef idx="0">
+            <a:schemeClr val="accent1"/>
+          </a:effectRef>
+          <a:fontRef idx="minor">
+            <a:schemeClr val="lt1"/>
+          </a:fontRef>
+        </p:style>
+        <p:txBody>
+          <a:bodyPr rtlCol="0" anchor="ctr"/>
+          <a:lstStyle/>
+          <a:p>
+            <a:pPr algn="ctr"/>
+            <a:endParaRPr lang="zh-TW" altLang="en-US" dirty="0"/>
+          </a:p>
+        </p:txBody>
+      </p:sp>
+    </p:spTree>
+    <p:extLst>
+      <p:ext uri="{BB962C8B-B14F-4D97-AF65-F5344CB8AC3E}">
+        <p14:creationId xmlns:p14="http://schemas.microsoft.com/office/powerpoint/2010/main" val="406207200"/>
+      </p:ext>
+    </p:extLst>
+  </p:cSld>
+  <p:clrMapOvr>
+    <a:masterClrMapping/>
+  </p:clrMapOvr>
+</p:sld>
+</file>
+
+<file path=ppt/slides/slide8.xml><?xml version="1.0" encoding="utf-8"?>
+<p:sld xmlns:a="http://schemas.openxmlformats.org/drawingml/2006/main" xmlns:r="http://schemas.openxmlformats.org/officeDocument/2006/relationships" xmlns:p="http://schemas.openxmlformats.org/presentationml/2006/main">
+  <p:cSld>
+    <p:spTree>
+      <p:nvGrpSpPr>
+        <p:cNvPr id="1" name=""/>
+        <p:cNvGrpSpPr/>
+        <p:nvPr/>
+      </p:nvGrpSpPr>
+      <p:grpSpPr>
+        <a:xfrm>
+          <a:off x="0" y="0"/>
+          <a:ext cx="0" cy="0"/>
+          <a:chOff x="0" y="0"/>
+          <a:chExt cx="0" cy="0"/>
+        </a:xfrm>
+      </p:grpSpPr>
+      <p:pic>
+        <p:nvPicPr>
+          <p:cNvPr id="9" name="圖片 8"/>
+          <p:cNvPicPr>
+            <a:picLocks noChangeAspect="1"/>
+          </p:cNvPicPr>
+          <p:nvPr/>
+        </p:nvPicPr>
+        <p:blipFill>
+          <a:blip r:embed="rId2"/>
+          <a:stretch>
+            <a:fillRect/>
+          </a:stretch>
+        </p:blipFill>
+        <p:spPr>
+          <a:xfrm>
+            <a:off x="1500187" y="742950"/>
+            <a:ext cx="9191625" cy="5372100"/>
+          </a:xfrm>
+          <a:prstGeom prst="rect">
+            <a:avLst/>
+          </a:prstGeom>
+        </p:spPr>
+      </p:pic>
+      <p:sp>
+        <p:nvSpPr>
+          <p:cNvPr id="3" name="矩形 2"/>
+          <p:cNvSpPr/>
+          <p:nvPr/>
+        </p:nvSpPr>
+        <p:spPr>
+          <a:xfrm>
+            <a:off x="8691968" y="2215056"/>
+            <a:ext cx="863988" cy="244774"/>
+          </a:xfrm>
+          <a:prstGeom prst="rect">
+            <a:avLst/>
+          </a:prstGeom>
+          <a:noFill/>
+          <a:ln w="28575">
+            <a:solidFill>
+              <a:srgbClr val="FF0000"/>
+            </a:solidFill>
+          </a:ln>
+        </p:spPr>
+        <p:style>
+          <a:lnRef idx="2">
+            <a:schemeClr val="accent1">
+              <a:shade val="50000"/>
+            </a:schemeClr>
+          </a:lnRef>
+          <a:fillRef idx="1">
+            <a:schemeClr val="accent1"/>
+          </a:fillRef>
+          <a:effectRef idx="0">
+            <a:schemeClr val="accent1"/>
+          </a:effectRef>
+          <a:fontRef idx="minor">
+            <a:schemeClr val="lt1"/>
+          </a:fontRef>
+        </p:style>
+        <p:txBody>
+          <a:bodyPr rtlCol="0" anchor="ctr"/>
+          <a:lstStyle/>
+          <a:p>
+            <a:pPr algn="ctr"/>
+            <a:endParaRPr lang="zh-TW" altLang="en-US"/>
+          </a:p>
+        </p:txBody>
+      </p:sp>
+      <p:sp>
+        <p:nvSpPr>
+          <p:cNvPr id="4" name="矩形 3"/>
+          <p:cNvSpPr/>
+          <p:nvPr/>
+        </p:nvSpPr>
+        <p:spPr>
+          <a:xfrm>
+            <a:off x="8720542" y="2619375"/>
+            <a:ext cx="1030677" cy="273844"/>
+          </a:xfrm>
+          <a:prstGeom prst="rect">
+            <a:avLst/>
+          </a:prstGeom>
+          <a:noFill/>
+          <a:ln w="28575">
+            <a:solidFill>
+              <a:srgbClr val="FF0000"/>
+            </a:solidFill>
+          </a:ln>
+        </p:spPr>
+        <p:style>
+          <a:lnRef idx="2">
+            <a:schemeClr val="accent1">
+              <a:shade val="50000"/>
+            </a:schemeClr>
+          </a:lnRef>
+          <a:fillRef idx="1">
+            <a:schemeClr val="accent1"/>
+          </a:fillRef>
+          <a:effectRef idx="0">
+            <a:schemeClr val="accent1"/>
+          </a:effectRef>
+          <a:fontRef idx="minor">
+            <a:schemeClr val="lt1"/>
+          </a:fontRef>
+        </p:style>
+        <p:txBody>
+          <a:bodyPr rtlCol="0" anchor="ctr"/>
+          <a:lstStyle/>
+          <a:p>
+            <a:pPr algn="ctr"/>
+            <a:endParaRPr lang="zh-TW" altLang="en-US"/>
+          </a:p>
+        </p:txBody>
+      </p:sp>
+      <p:sp>
+        <p:nvSpPr>
+          <p:cNvPr id="5" name="矩形 4"/>
+          <p:cNvSpPr/>
+          <p:nvPr/>
+        </p:nvSpPr>
+        <p:spPr>
+          <a:xfrm>
+            <a:off x="8939617" y="2940844"/>
+            <a:ext cx="1030677" cy="273844"/>
+          </a:xfrm>
+          <a:prstGeom prst="rect">
+            <a:avLst/>
+          </a:prstGeom>
+          <a:noFill/>
+          <a:ln w="28575">
+            <a:solidFill>
+              <a:srgbClr val="FF0000"/>
+            </a:solidFill>
+          </a:ln>
+        </p:spPr>
+        <p:style>
+          <a:lnRef idx="2">
+            <a:schemeClr val="accent1">
+              <a:shade val="50000"/>
+            </a:schemeClr>
+          </a:lnRef>
+          <a:fillRef idx="1">
+            <a:schemeClr val="accent1"/>
+          </a:fillRef>
+          <a:effectRef idx="0">
+            <a:schemeClr val="accent1"/>
+          </a:effectRef>
+          <a:fontRef idx="minor">
+            <a:schemeClr val="lt1"/>
+          </a:fontRef>
+        </p:style>
+        <p:txBody>
+          <a:bodyPr rtlCol="0" anchor="ctr"/>
+          <a:lstStyle/>
+          <a:p>
+            <a:pPr algn="ctr"/>
+            <a:endParaRPr lang="zh-TW" altLang="en-US"/>
+          </a:p>
+        </p:txBody>
+      </p:sp>
+      <p:sp>
+        <p:nvSpPr>
+          <p:cNvPr id="6" name="文字方塊 5"/>
+          <p:cNvSpPr txBox="1"/>
+          <p:nvPr/>
+        </p:nvSpPr>
+        <p:spPr>
+          <a:xfrm>
+            <a:off x="8390282" y="2152777"/>
+            <a:ext cx="301686" cy="369332"/>
+          </a:xfrm>
+          <a:prstGeom prst="rect">
+            <a:avLst/>
+          </a:prstGeom>
+          <a:noFill/>
+        </p:spPr>
+        <p:txBody>
+          <a:bodyPr wrap="none" rtlCol="0">
+            <a:spAutoFit/>
+          </a:bodyPr>
+          <a:lstStyle/>
+          <a:p>
+            <a:r>
+              <a:rPr lang="en-US" altLang="zh-TW" dirty="0" smtClean="0">
+                <a:solidFill>
+                  <a:srgbClr val="FF0000"/>
+                </a:solidFill>
+              </a:rPr>
+              <a:t>1</a:t>
+            </a:r>
+            <a:endParaRPr lang="zh-TW" altLang="en-US" dirty="0">
+              <a:solidFill>
+                <a:srgbClr val="FF0000"/>
+              </a:solidFill>
+            </a:endParaRPr>
+          </a:p>
+        </p:txBody>
+      </p:sp>
+      <p:sp>
+        <p:nvSpPr>
+          <p:cNvPr id="7" name="文字方塊 6"/>
+          <p:cNvSpPr txBox="1"/>
+          <p:nvPr/>
+        </p:nvSpPr>
+        <p:spPr>
+          <a:xfrm>
+            <a:off x="8419260" y="2571631"/>
+            <a:ext cx="301686" cy="369332"/>
+          </a:xfrm>
+          <a:prstGeom prst="rect">
+            <a:avLst/>
+          </a:prstGeom>
+          <a:noFill/>
+        </p:spPr>
+        <p:txBody>
+          <a:bodyPr wrap="none" rtlCol="0">
+            <a:spAutoFit/>
+          </a:bodyPr>
+          <a:lstStyle/>
+          <a:p>
+            <a:r>
+              <a:rPr lang="en-US" altLang="zh-TW" dirty="0" smtClean="0">
+                <a:solidFill>
+                  <a:srgbClr val="FF0000"/>
+                </a:solidFill>
+              </a:rPr>
+              <a:t>2</a:t>
+            </a:r>
+            <a:endParaRPr lang="zh-TW" altLang="en-US" dirty="0">
+              <a:solidFill>
+                <a:srgbClr val="FF0000"/>
+              </a:solidFill>
+            </a:endParaRPr>
+          </a:p>
+        </p:txBody>
+      </p:sp>
+      <p:sp>
+        <p:nvSpPr>
+          <p:cNvPr id="8" name="文字方塊 7"/>
+          <p:cNvSpPr txBox="1"/>
+          <p:nvPr/>
+        </p:nvSpPr>
+        <p:spPr>
+          <a:xfrm>
+            <a:off x="8637931" y="2893100"/>
+            <a:ext cx="301686" cy="369332"/>
+          </a:xfrm>
+          <a:prstGeom prst="rect">
+            <a:avLst/>
+          </a:prstGeom>
+          <a:noFill/>
+        </p:spPr>
+        <p:txBody>
+          <a:bodyPr wrap="none" rtlCol="0">
+            <a:spAutoFit/>
+          </a:bodyPr>
+          <a:lstStyle/>
+          <a:p>
+            <a:r>
+              <a:rPr lang="en-US" altLang="zh-TW" dirty="0" smtClean="0">
+                <a:solidFill>
+                  <a:srgbClr val="FF0000"/>
+                </a:solidFill>
+              </a:rPr>
+              <a:t>3</a:t>
+            </a:r>
+            <a:endParaRPr lang="zh-TW" altLang="en-US" dirty="0">
+              <a:solidFill>
+                <a:srgbClr val="FF0000"/>
+              </a:solidFill>
+            </a:endParaRPr>
+          </a:p>
+        </p:txBody>
+      </p:sp>
+      <p:pic>
+        <p:nvPicPr>
+          <p:cNvPr id="10" name="圖片 9"/>
+          <p:cNvPicPr>
+            <a:picLocks noChangeAspect="1"/>
+          </p:cNvPicPr>
+          <p:nvPr/>
+        </p:nvPicPr>
+        <p:blipFill>
+          <a:blip r:embed="rId3"/>
+          <a:stretch>
+            <a:fillRect/>
+          </a:stretch>
+        </p:blipFill>
+        <p:spPr>
+          <a:xfrm>
+            <a:off x="3188558" y="2614763"/>
+            <a:ext cx="4924425" cy="2009775"/>
+          </a:xfrm>
+          <a:prstGeom prst="rect">
+            <a:avLst/>
+          </a:prstGeom>
+        </p:spPr>
+      </p:pic>
+      <p:sp>
+        <p:nvSpPr>
+          <p:cNvPr id="13" name="矩形 12"/>
+          <p:cNvSpPr/>
+          <p:nvPr/>
+        </p:nvSpPr>
+        <p:spPr>
+          <a:xfrm>
+            <a:off x="6214683" y="4210885"/>
+            <a:ext cx="844597" cy="273844"/>
+          </a:xfrm>
+          <a:prstGeom prst="rect">
+            <a:avLst/>
+          </a:prstGeom>
+          <a:noFill/>
+          <a:ln w="28575">
+            <a:solidFill>
+              <a:srgbClr val="FF0000"/>
+            </a:solidFill>
+          </a:ln>
+        </p:spPr>
+        <p:style>
+          <a:lnRef idx="2">
+            <a:schemeClr val="accent1">
+              <a:shade val="50000"/>
+            </a:schemeClr>
+          </a:lnRef>
+          <a:fillRef idx="1">
+            <a:schemeClr val="accent1"/>
+          </a:fillRef>
+          <a:effectRef idx="0">
+            <a:schemeClr val="accent1"/>
+          </a:effectRef>
+          <a:fontRef idx="minor">
+            <a:schemeClr val="lt1"/>
+          </a:fontRef>
+        </p:style>
+        <p:txBody>
+          <a:bodyPr rtlCol="0" anchor="ctr"/>
+          <a:lstStyle/>
+          <a:p>
+            <a:pPr algn="ctr"/>
+            <a:endParaRPr lang="zh-TW" altLang="en-US"/>
+          </a:p>
+        </p:txBody>
+      </p:sp>
+      <p:sp>
+        <p:nvSpPr>
+          <p:cNvPr id="14" name="文字方塊 13"/>
+          <p:cNvSpPr txBox="1"/>
+          <p:nvPr/>
+        </p:nvSpPr>
+        <p:spPr>
+          <a:xfrm>
+            <a:off x="6486138" y="3841553"/>
+            <a:ext cx="301686" cy="369332"/>
+          </a:xfrm>
+          <a:prstGeom prst="rect">
+            <a:avLst/>
+          </a:prstGeom>
+          <a:noFill/>
+        </p:spPr>
+        <p:txBody>
+          <a:bodyPr wrap="none" rtlCol="0">
+            <a:spAutoFit/>
+          </a:bodyPr>
+          <a:lstStyle/>
+          <a:p>
+            <a:r>
+              <a:rPr lang="en-US" altLang="zh-TW" dirty="0" smtClean="0">
+                <a:solidFill>
+                  <a:srgbClr val="FF0000"/>
+                </a:solidFill>
+              </a:rPr>
+              <a:t>4</a:t>
+            </a:r>
+            <a:endParaRPr lang="zh-TW" altLang="en-US" dirty="0">
+              <a:solidFill>
+                <a:srgbClr val="FF0000"/>
+              </a:solidFill>
+            </a:endParaRPr>
+          </a:p>
+        </p:txBody>
+      </p:sp>
+    </p:spTree>
+    <p:extLst>
+      <p:ext uri="{BB962C8B-B14F-4D97-AF65-F5344CB8AC3E}">
+        <p14:creationId xmlns:p14="http://schemas.microsoft.com/office/powerpoint/2010/main" val="2498542188"/>
+      </p:ext>
+    </p:extLst>
+  </p:cSld>
+  <p:clrMapOvr>
+    <a:masterClrMapping/>
+  </p:clrMapOvr>
+</p:sld>
+</file>
+
+<file path=ppt/slides/slide9.xml><?xml version="1.0" encoding="utf-8"?>
+<p:sld xmlns:a="http://schemas.openxmlformats.org/drawingml/2006/main" xmlns:r="http://schemas.openxmlformats.org/officeDocument/2006/relationships" xmlns:p="http://schemas.openxmlformats.org/presentationml/2006/main">
+  <p:cSld>
+    <p:spTree>
+      <p:nvGrpSpPr>
+        <p:cNvPr id="1" name=""/>
+        <p:cNvGrpSpPr/>
+        <p:nvPr/>
+      </p:nvGrpSpPr>
+      <p:grpSpPr>
+        <a:xfrm>
+          <a:off x="0" y="0"/>
+          <a:ext cx="0" cy="0"/>
+          <a:chOff x="0" y="0"/>
+          <a:chExt cx="0" cy="0"/>
+        </a:xfrm>
+      </p:grpSpPr>
+      <p:pic>
+        <p:nvPicPr>
+          <p:cNvPr id="7" name="圖片 6"/>
+          <p:cNvPicPr>
+            <a:picLocks noChangeAspect="1"/>
+          </p:cNvPicPr>
+          <p:nvPr/>
+        </p:nvPicPr>
+        <p:blipFill>
+          <a:blip r:embed="rId2"/>
+          <a:stretch>
+            <a:fillRect/>
+          </a:stretch>
+        </p:blipFill>
+        <p:spPr>
+          <a:xfrm>
+            <a:off x="1733550" y="276225"/>
+            <a:ext cx="8724900" cy="6305550"/>
+          </a:xfrm>
+          <a:prstGeom prst="rect">
+            <a:avLst/>
+          </a:prstGeom>
+        </p:spPr>
+      </p:pic>
+      <p:pic>
+        <p:nvPicPr>
+          <p:cNvPr id="2" name="圖片 1"/>
+          <p:cNvPicPr>
+            <a:picLocks noChangeAspect="1"/>
+          </p:cNvPicPr>
+          <p:nvPr/>
+        </p:nvPicPr>
+        <p:blipFill>
+          <a:blip r:embed="rId3"/>
+          <a:stretch>
+            <a:fillRect/>
+          </a:stretch>
+        </p:blipFill>
+        <p:spPr>
+          <a:xfrm>
+            <a:off x="6691792" y="3280097"/>
+            <a:ext cx="3286125" cy="1857375"/>
+          </a:xfrm>
+          <a:prstGeom prst="rect">
+            <a:avLst/>
+          </a:prstGeom>
+        </p:spPr>
+      </p:pic>
+      <p:sp>
+        <p:nvSpPr>
+          <p:cNvPr id="3" name="矩形 2"/>
+          <p:cNvSpPr/>
+          <p:nvPr/>
+        </p:nvSpPr>
+        <p:spPr>
+          <a:xfrm>
+            <a:off x="6849913" y="3987368"/>
+            <a:ext cx="1889106" cy="289482"/>
+          </a:xfrm>
+          <a:prstGeom prst="rect">
+            <a:avLst/>
+          </a:prstGeom>
+          <a:noFill/>
+          <a:ln w="28575">
+            <a:solidFill>
+              <a:srgbClr val="FF0000"/>
+            </a:solidFill>
+          </a:ln>
+        </p:spPr>
+        <p:style>
+          <a:lnRef idx="2">
+            <a:schemeClr val="accent1">
+              <a:shade val="50000"/>
+            </a:schemeClr>
+          </a:lnRef>
+          <a:fillRef idx="1">
+            <a:schemeClr val="accent1"/>
+          </a:fillRef>
+          <a:effectRef idx="0">
+            <a:schemeClr val="accent1"/>
+          </a:effectRef>
+          <a:fontRef idx="minor">
+            <a:schemeClr val="lt1"/>
+          </a:fontRef>
+        </p:style>
+        <p:txBody>
+          <a:bodyPr rtlCol="0" anchor="ctr"/>
+          <a:lstStyle/>
+          <a:p>
+            <a:pPr algn="ctr"/>
+            <a:endParaRPr lang="zh-TW" altLang="en-US"/>
+          </a:p>
+        </p:txBody>
+      </p:sp>
+      <p:sp>
+        <p:nvSpPr>
+          <p:cNvPr id="4" name="矩形 3"/>
+          <p:cNvSpPr/>
+          <p:nvPr/>
+        </p:nvSpPr>
+        <p:spPr>
+          <a:xfrm>
+            <a:off x="7509519" y="4692258"/>
+            <a:ext cx="1095375" cy="289482"/>
+          </a:xfrm>
+          <a:prstGeom prst="rect">
+            <a:avLst/>
+          </a:prstGeom>
+          <a:noFill/>
+          <a:ln w="28575">
+            <a:solidFill>
+              <a:srgbClr val="FF0000"/>
+            </a:solidFill>
+          </a:ln>
+        </p:spPr>
+        <p:style>
+          <a:lnRef idx="2">
+            <a:schemeClr val="accent1">
+              <a:shade val="50000"/>
+            </a:schemeClr>
+          </a:lnRef>
+          <a:fillRef idx="1">
+            <a:schemeClr val="accent1"/>
+          </a:fillRef>
+          <a:effectRef idx="0">
+            <a:schemeClr val="accent1"/>
+          </a:effectRef>
+          <a:fontRef idx="minor">
+            <a:schemeClr val="lt1"/>
+          </a:fontRef>
+        </p:style>
+        <p:txBody>
+          <a:bodyPr rtlCol="0" anchor="ctr"/>
+          <a:lstStyle/>
+          <a:p>
+            <a:pPr algn="ctr"/>
+            <a:endParaRPr lang="zh-TW" altLang="en-US"/>
+          </a:p>
+        </p:txBody>
+      </p:sp>
+      <p:sp>
+        <p:nvSpPr>
+          <p:cNvPr id="5" name="文字方塊 4"/>
+          <p:cNvSpPr txBox="1"/>
+          <p:nvPr/>
+        </p:nvSpPr>
+        <p:spPr>
+          <a:xfrm>
+            <a:off x="6548227" y="3947443"/>
+            <a:ext cx="301686" cy="369332"/>
+          </a:xfrm>
+          <a:prstGeom prst="rect">
+            <a:avLst/>
+          </a:prstGeom>
+          <a:noFill/>
+        </p:spPr>
+        <p:txBody>
+          <a:bodyPr wrap="none" rtlCol="0">
+            <a:spAutoFit/>
+          </a:bodyPr>
+          <a:lstStyle/>
+          <a:p>
+            <a:r>
+              <a:rPr lang="en-US" altLang="zh-TW" dirty="0" smtClean="0">
+                <a:solidFill>
+                  <a:srgbClr val="FF0000"/>
+                </a:solidFill>
+              </a:rPr>
+              <a:t>2</a:t>
+            </a:r>
+            <a:endParaRPr lang="zh-TW" altLang="en-US" dirty="0">
+              <a:solidFill>
+                <a:srgbClr val="FF0000"/>
+              </a:solidFill>
+            </a:endParaRPr>
+          </a:p>
+        </p:txBody>
+      </p:sp>
+      <p:sp>
+        <p:nvSpPr>
+          <p:cNvPr id="6" name="文字方塊 5"/>
+          <p:cNvSpPr txBox="1"/>
+          <p:nvPr/>
+        </p:nvSpPr>
+        <p:spPr>
+          <a:xfrm>
+            <a:off x="7207833" y="4652333"/>
+            <a:ext cx="301686" cy="369332"/>
+          </a:xfrm>
+          <a:prstGeom prst="rect">
+            <a:avLst/>
+          </a:prstGeom>
+          <a:noFill/>
+        </p:spPr>
+        <p:txBody>
+          <a:bodyPr wrap="none" rtlCol="0">
+            <a:spAutoFit/>
+          </a:bodyPr>
+          <a:lstStyle/>
+          <a:p>
+            <a:r>
+              <a:rPr lang="en-US" altLang="zh-TW" dirty="0" smtClean="0">
+                <a:solidFill>
+                  <a:srgbClr val="FF0000"/>
+                </a:solidFill>
+              </a:rPr>
+              <a:t>3</a:t>
+            </a:r>
+            <a:endParaRPr lang="zh-TW" altLang="en-US" dirty="0">
+              <a:solidFill>
+                <a:srgbClr val="FF0000"/>
+              </a:solidFill>
+            </a:endParaRPr>
+          </a:p>
+        </p:txBody>
+      </p:sp>
+      <p:sp>
+        <p:nvSpPr>
+          <p:cNvPr id="8" name="矩形 7"/>
+          <p:cNvSpPr/>
+          <p:nvPr/>
+        </p:nvSpPr>
+        <p:spPr>
+          <a:xfrm>
+            <a:off x="9123288" y="714059"/>
+            <a:ext cx="1193904" cy="244774"/>
+          </a:xfrm>
+          <a:prstGeom prst="rect">
+            <a:avLst/>
+          </a:prstGeom>
+          <a:noFill/>
+          <a:ln w="28575">
+            <a:solidFill>
+              <a:srgbClr val="FF0000"/>
+            </a:solidFill>
+          </a:ln>
+        </p:spPr>
+        <p:style>
+          <a:lnRef idx="2">
+            <a:schemeClr val="accent1">
+              <a:shade val="50000"/>
+            </a:schemeClr>
+          </a:lnRef>
+          <a:fillRef idx="1">
+            <a:schemeClr val="accent1"/>
+          </a:fillRef>
+          <a:effectRef idx="0">
+            <a:schemeClr val="accent1"/>
+          </a:effectRef>
+          <a:fontRef idx="minor">
+            <a:schemeClr val="lt1"/>
+          </a:fontRef>
+        </p:style>
+        <p:txBody>
+          <a:bodyPr rtlCol="0" anchor="ctr"/>
+          <a:lstStyle/>
+          <a:p>
+            <a:pPr algn="ctr"/>
+            <a:endParaRPr lang="zh-TW" altLang="en-US"/>
+          </a:p>
+        </p:txBody>
+      </p:sp>
+      <p:sp>
+        <p:nvSpPr>
+          <p:cNvPr id="9" name="文字方塊 8"/>
+          <p:cNvSpPr txBox="1"/>
+          <p:nvPr/>
+        </p:nvSpPr>
+        <p:spPr>
+          <a:xfrm>
+            <a:off x="8821602" y="651780"/>
+            <a:ext cx="301686" cy="369332"/>
+          </a:xfrm>
+          <a:prstGeom prst="rect">
+            <a:avLst/>
+          </a:prstGeom>
+          <a:noFill/>
+        </p:spPr>
+        <p:txBody>
+          <a:bodyPr wrap="none" rtlCol="0">
+            <a:spAutoFit/>
+          </a:bodyPr>
+          <a:lstStyle/>
+          <a:p>
+            <a:r>
+              <a:rPr lang="en-US" altLang="zh-TW" dirty="0" smtClean="0">
+                <a:solidFill>
+                  <a:srgbClr val="FF0000"/>
+                </a:solidFill>
+              </a:rPr>
+              <a:t>1</a:t>
+            </a:r>
+            <a:endParaRPr lang="zh-TW" altLang="en-US" dirty="0">
+              <a:solidFill>
+                <a:srgbClr val="FF0000"/>
+              </a:solidFill>
+            </a:endParaRPr>
+          </a:p>
+        </p:txBody>
+      </p:sp>
+      <p:sp>
+        <p:nvSpPr>
+          <p:cNvPr id="10" name="矩形 9"/>
+          <p:cNvSpPr/>
+          <p:nvPr/>
+        </p:nvSpPr>
+        <p:spPr>
+          <a:xfrm>
+            <a:off x="1952005" y="1271910"/>
+            <a:ext cx="2905746" cy="533078"/>
+          </a:xfrm>
+          <a:prstGeom prst="rect">
+            <a:avLst/>
+          </a:prstGeom>
+          <a:noFill/>
+          <a:ln w="28575">
+            <a:solidFill>
+              <a:srgbClr val="FF0000"/>
+            </a:solidFill>
+          </a:ln>
+        </p:spPr>
+        <p:style>
+          <a:lnRef idx="2">
+            <a:schemeClr val="accent1">
+              <a:shade val="50000"/>
+            </a:schemeClr>
+          </a:lnRef>
+          <a:fillRef idx="1">
+            <a:schemeClr val="accent1"/>
+          </a:fillRef>
+          <a:effectRef idx="0">
+            <a:schemeClr val="accent1"/>
+          </a:effectRef>
+          <a:fontRef idx="minor">
+            <a:schemeClr val="lt1"/>
+          </a:fontRef>
+        </p:style>
+        <p:txBody>
+          <a:bodyPr rtlCol="0" anchor="ctr"/>
+          <a:lstStyle/>
+          <a:p>
+            <a:pPr algn="ctr"/>
+            <a:endParaRPr lang="zh-TW" altLang="en-US"/>
+          </a:p>
+        </p:txBody>
+      </p:sp>
+      <p:sp>
+        <p:nvSpPr>
+          <p:cNvPr id="13" name="矩形 12"/>
+          <p:cNvSpPr/>
+          <p:nvPr/>
+        </p:nvSpPr>
+        <p:spPr>
+          <a:xfrm>
+            <a:off x="2543354" y="4462066"/>
+            <a:ext cx="1289506" cy="289482"/>
+          </a:xfrm>
+          <a:prstGeom prst="rect">
+            <a:avLst/>
+          </a:prstGeom>
+          <a:noFill/>
+          <a:ln w="28575">
+            <a:solidFill>
+              <a:srgbClr val="FF0000"/>
+            </a:solidFill>
+          </a:ln>
+        </p:spPr>
+        <p:style>
+          <a:lnRef idx="2">
+            <a:schemeClr val="accent1">
+              <a:shade val="50000"/>
+            </a:schemeClr>
+          </a:lnRef>
+          <a:fillRef idx="1">
+            <a:schemeClr val="accent1"/>
+          </a:fillRef>
+          <a:effectRef idx="0">
+            <a:schemeClr val="accent1"/>
+          </a:effectRef>
+          <a:fontRef idx="minor">
+            <a:schemeClr val="lt1"/>
+          </a:fontRef>
+        </p:style>
+        <p:txBody>
+          <a:bodyPr rtlCol="0" anchor="ctr"/>
+          <a:lstStyle/>
+          <a:p>
+            <a:pPr algn="ctr"/>
+            <a:endParaRPr lang="zh-TW" altLang="en-US"/>
+          </a:p>
+        </p:txBody>
+      </p:sp>
+      <p:sp>
+        <p:nvSpPr>
+          <p:cNvPr id="14" name="矩形 13"/>
+          <p:cNvSpPr/>
+          <p:nvPr/>
+        </p:nvSpPr>
+        <p:spPr>
+          <a:xfrm>
+            <a:off x="1952004" y="5377178"/>
+            <a:ext cx="4067796" cy="657861"/>
+          </a:xfrm>
+          <a:prstGeom prst="rect">
+            <a:avLst/>
+          </a:prstGeom>
+          <a:noFill/>
+          <a:ln w="28575">
+            <a:solidFill>
+              <a:srgbClr val="FF0000"/>
+            </a:solidFill>
+          </a:ln>
+        </p:spPr>
+        <p:style>
+          <a:lnRef idx="2">
+            <a:schemeClr val="accent1">
+              <a:shade val="50000"/>
+            </a:schemeClr>
+          </a:lnRef>
+          <a:fillRef idx="1">
+            <a:schemeClr val="accent1"/>
+          </a:fillRef>
+          <a:effectRef idx="0">
+            <a:schemeClr val="accent1"/>
+          </a:effectRef>
+          <a:fontRef idx="minor">
+            <a:schemeClr val="lt1"/>
+          </a:fontRef>
+        </p:style>
+        <p:txBody>
+          <a:bodyPr rtlCol="0" anchor="ctr"/>
+          <a:lstStyle/>
+          <a:p>
+            <a:pPr algn="ctr"/>
+            <a:endParaRPr lang="zh-TW" altLang="en-US"/>
+          </a:p>
+        </p:txBody>
+      </p:sp>
+      <p:sp>
+        <p:nvSpPr>
+          <p:cNvPr id="15" name="文字方塊 14"/>
+          <p:cNvSpPr txBox="1"/>
+          <p:nvPr/>
+        </p:nvSpPr>
+        <p:spPr>
+          <a:xfrm>
+            <a:off x="4857751" y="1353783"/>
+            <a:ext cx="301686" cy="369332"/>
+          </a:xfrm>
+          <a:prstGeom prst="rect">
+            <a:avLst/>
+          </a:prstGeom>
+          <a:noFill/>
+        </p:spPr>
+        <p:txBody>
+          <a:bodyPr wrap="none" rtlCol="0">
+            <a:spAutoFit/>
+          </a:bodyPr>
+          <a:lstStyle/>
+          <a:p>
+            <a:r>
+              <a:rPr lang="en-US" altLang="zh-TW" dirty="0" smtClean="0">
+                <a:solidFill>
+                  <a:srgbClr val="FF0000"/>
+                </a:solidFill>
+              </a:rPr>
+              <a:t>4</a:t>
+            </a:r>
+            <a:endParaRPr lang="zh-TW" altLang="en-US" dirty="0">
+              <a:solidFill>
+                <a:srgbClr val="FF0000"/>
+              </a:solidFill>
+            </a:endParaRPr>
+          </a:p>
+        </p:txBody>
+      </p:sp>
+      <p:sp>
+        <p:nvSpPr>
+          <p:cNvPr id="18" name="文字方塊 17"/>
+          <p:cNvSpPr txBox="1"/>
+          <p:nvPr/>
+        </p:nvSpPr>
+        <p:spPr>
+          <a:xfrm>
+            <a:off x="3825582" y="4422141"/>
+            <a:ext cx="301686" cy="369332"/>
+          </a:xfrm>
+          <a:prstGeom prst="rect">
+            <a:avLst/>
+          </a:prstGeom>
+          <a:noFill/>
+        </p:spPr>
+        <p:txBody>
+          <a:bodyPr wrap="none" rtlCol="0">
+            <a:spAutoFit/>
+          </a:bodyPr>
+          <a:lstStyle/>
+          <a:p>
+            <a:r>
+              <a:rPr lang="en-US" altLang="zh-TW" dirty="0" smtClean="0">
+                <a:solidFill>
+                  <a:srgbClr val="FF0000"/>
+                </a:solidFill>
+              </a:rPr>
+              <a:t>6</a:t>
+            </a:r>
+            <a:endParaRPr lang="zh-TW" altLang="en-US" dirty="0">
+              <a:solidFill>
+                <a:srgbClr val="FF0000"/>
+              </a:solidFill>
+            </a:endParaRPr>
+          </a:p>
+        </p:txBody>
+      </p:sp>
+      <p:sp>
+        <p:nvSpPr>
+          <p:cNvPr id="19" name="文字方塊 18"/>
+          <p:cNvSpPr txBox="1"/>
+          <p:nvPr/>
+        </p:nvSpPr>
+        <p:spPr>
+          <a:xfrm>
+            <a:off x="3835241" y="5007846"/>
+            <a:ext cx="301686" cy="369332"/>
+          </a:xfrm>
+          <a:prstGeom prst="rect">
+            <a:avLst/>
+          </a:prstGeom>
+          <a:noFill/>
+        </p:spPr>
+        <p:txBody>
+          <a:bodyPr wrap="none" rtlCol="0">
+            <a:spAutoFit/>
+          </a:bodyPr>
+          <a:lstStyle/>
+          <a:p>
+            <a:r>
+              <a:rPr lang="en-US" altLang="zh-TW" dirty="0" smtClean="0">
+                <a:solidFill>
+                  <a:srgbClr val="FF0000"/>
+                </a:solidFill>
+              </a:rPr>
+              <a:t>7</a:t>
+            </a:r>
+            <a:endParaRPr lang="zh-TW" altLang="en-US" dirty="0">
+              <a:solidFill>
+                <a:srgbClr val="FF0000"/>
+              </a:solidFill>
+            </a:endParaRPr>
+          </a:p>
+        </p:txBody>
+      </p:sp>
+      <p:sp>
+        <p:nvSpPr>
+          <p:cNvPr id="20" name="矩形 19"/>
+          <p:cNvSpPr/>
+          <p:nvPr/>
+        </p:nvSpPr>
+        <p:spPr>
+          <a:xfrm>
+            <a:off x="7115817" y="6159899"/>
+            <a:ext cx="854227" cy="289482"/>
+          </a:xfrm>
+          <a:prstGeom prst="rect">
+            <a:avLst/>
+          </a:prstGeom>
+          <a:noFill/>
+          <a:ln w="28575">
+            <a:solidFill>
+              <a:srgbClr val="FF0000"/>
+            </a:solidFill>
+          </a:ln>
+        </p:spPr>
+        <p:style>
+          <a:lnRef idx="2">
+            <a:schemeClr val="accent1">
+              <a:shade val="50000"/>
+            </a:schemeClr>
+          </a:lnRef>
+          <a:fillRef idx="1">
+            <a:schemeClr val="accent1"/>
+          </a:fillRef>
+          <a:effectRef idx="0">
+            <a:schemeClr val="accent1"/>
+          </a:effectRef>
+          <a:fontRef idx="minor">
+            <a:schemeClr val="lt1"/>
+          </a:fontRef>
+        </p:style>
+        <p:txBody>
+          <a:bodyPr rtlCol="0" anchor="ctr"/>
+          <a:lstStyle/>
+          <a:p>
+            <a:pPr algn="ctr"/>
+            <a:endParaRPr lang="zh-TW" altLang="en-US"/>
+          </a:p>
+        </p:txBody>
+      </p:sp>
+      <p:sp>
+        <p:nvSpPr>
+          <p:cNvPr id="21" name="文字方塊 20"/>
+          <p:cNvSpPr txBox="1"/>
+          <p:nvPr/>
+        </p:nvSpPr>
+        <p:spPr>
+          <a:xfrm>
+            <a:off x="6814131" y="6119974"/>
+            <a:ext cx="301686" cy="369332"/>
+          </a:xfrm>
+          <a:prstGeom prst="rect">
+            <a:avLst/>
+          </a:prstGeom>
+          <a:noFill/>
+        </p:spPr>
+        <p:txBody>
+          <a:bodyPr wrap="none" rtlCol="0">
+            <a:spAutoFit/>
+          </a:bodyPr>
+          <a:lstStyle/>
+          <a:p>
+            <a:r>
+              <a:rPr lang="en-US" altLang="zh-TW" dirty="0" smtClean="0">
+                <a:solidFill>
+                  <a:srgbClr val="FF0000"/>
+                </a:solidFill>
+              </a:rPr>
+              <a:t>8</a:t>
+            </a:r>
+            <a:endParaRPr lang="zh-TW" altLang="en-US" dirty="0">
+              <a:solidFill>
+                <a:srgbClr val="FF0000"/>
+              </a:solidFill>
+            </a:endParaRPr>
+          </a:p>
+        </p:txBody>
+      </p:sp>
+      <p:sp>
+        <p:nvSpPr>
+          <p:cNvPr id="22" name="矩形 21"/>
+          <p:cNvSpPr/>
+          <p:nvPr/>
+        </p:nvSpPr>
+        <p:spPr>
+          <a:xfrm>
+            <a:off x="4694267" y="1849498"/>
+            <a:ext cx="894527" cy="278546"/>
+          </a:xfrm>
+          <a:prstGeom prst="rect">
+            <a:avLst/>
+          </a:prstGeom>
+          <a:noFill/>
+          <a:ln w="28575">
+            <a:solidFill>
+              <a:srgbClr val="FF0000"/>
+            </a:solidFill>
+          </a:ln>
+        </p:spPr>
+        <p:style>
+          <a:lnRef idx="2">
+            <a:schemeClr val="accent1">
+              <a:shade val="50000"/>
+            </a:schemeClr>
+          </a:lnRef>
+          <a:fillRef idx="1">
+            <a:schemeClr val="accent1"/>
+          </a:fillRef>
+          <a:effectRef idx="0">
+            <a:schemeClr val="accent1"/>
+          </a:effectRef>
+          <a:fontRef idx="minor">
+            <a:schemeClr val="lt1"/>
+          </a:fontRef>
+        </p:style>
+        <p:txBody>
+          <a:bodyPr rtlCol="0" anchor="ctr"/>
+          <a:lstStyle/>
+          <a:p>
+            <a:pPr algn="ctr"/>
+            <a:endParaRPr lang="zh-TW" altLang="en-US"/>
+          </a:p>
+        </p:txBody>
+      </p:sp>
+      <p:sp>
+        <p:nvSpPr>
+          <p:cNvPr id="23" name="文字方塊 22"/>
+          <p:cNvSpPr txBox="1"/>
+          <p:nvPr/>
+        </p:nvSpPr>
+        <p:spPr>
+          <a:xfrm>
+            <a:off x="5588794" y="1804988"/>
+            <a:ext cx="301686" cy="369332"/>
+          </a:xfrm>
+          <a:prstGeom prst="rect">
+            <a:avLst/>
+          </a:prstGeom>
+          <a:noFill/>
+        </p:spPr>
+        <p:txBody>
+          <a:bodyPr wrap="none" rtlCol="0">
+            <a:spAutoFit/>
+          </a:bodyPr>
+          <a:lstStyle/>
+          <a:p>
+            <a:r>
+              <a:rPr lang="en-US" altLang="zh-TW" dirty="0" smtClean="0">
+                <a:solidFill>
+                  <a:srgbClr val="FF0000"/>
+                </a:solidFill>
+              </a:rPr>
+              <a:t>5</a:t>
+            </a:r>
+            <a:endParaRPr lang="zh-TW" altLang="en-US" dirty="0">
+              <a:solidFill>
+                <a:srgbClr val="FF0000"/>
+              </a:solidFill>
+            </a:endParaRPr>
+          </a:p>
+        </p:txBody>
+      </p:sp>
+      <p:sp>
+        <p:nvSpPr>
+          <p:cNvPr id="24" name="矩形 23"/>
+          <p:cNvSpPr/>
+          <p:nvPr/>
+        </p:nvSpPr>
+        <p:spPr>
+          <a:xfrm>
+            <a:off x="8964825" y="5670783"/>
+            <a:ext cx="842115" cy="265197"/>
+          </a:xfrm>
+          <a:prstGeom prst="rect">
+            <a:avLst/>
+          </a:prstGeom>
+          <a:noFill/>
+          <a:ln w="28575">
+            <a:solidFill>
+              <a:srgbClr val="00B0F0"/>
+            </a:solidFill>
+          </a:ln>
+        </p:spPr>
+        <p:style>
+          <a:lnRef idx="2">
+            <a:schemeClr val="accent1">
+              <a:shade val="50000"/>
+            </a:schemeClr>
+          </a:lnRef>
+          <a:fillRef idx="1">
+            <a:schemeClr val="accent1"/>
+          </a:fillRef>
+          <a:effectRef idx="0">
+            <a:schemeClr val="accent1"/>
+          </a:effectRef>
+          <a:fontRef idx="minor">
+            <a:schemeClr val="lt1"/>
+          </a:fontRef>
+        </p:style>
+        <p:txBody>
+          <a:bodyPr rtlCol="0" anchor="ctr"/>
+          <a:lstStyle/>
+          <a:p>
+            <a:pPr algn="ctr"/>
+            <a:endParaRPr lang="zh-TW" altLang="en-US" dirty="0"/>
+          </a:p>
+        </p:txBody>
+      </p:sp>
+    </p:spTree>
+    <p:extLst>
+      <p:ext uri="{BB962C8B-B14F-4D97-AF65-F5344CB8AC3E}">
+        <p14:creationId xmlns:p14="http://schemas.microsoft.com/office/powerpoint/2010/main" val="23677694"/>
+      </p:ext>
+    </p:extLst>
+  </p:cSld>
+  <p:clrMapOvr>
+    <a:masterClrMapping/>
+  </p:clrMapOvr>
+</p:sld>
+</file>
+
 <file path=ppt/theme/theme1.xml><?xml version="1.0" encoding="utf-8"?>
 <a:theme xmlns:a="http://schemas.openxmlformats.org/drawingml/2006/main" name="Office 佈景主題">
   <a:themeElements>

--- a/image/images.pptx
+++ b/image/images.pptx
@@ -14,6 +14,8 @@
     <p:sldId id="262" r:id="rId8"/>
     <p:sldId id="263" r:id="rId9"/>
     <p:sldId id="264" r:id="rId10"/>
+    <p:sldId id="265" r:id="rId11"/>
+    <p:sldId id="266" r:id="rId12"/>
   </p:sldIdLst>
   <p:sldSz cx="12192000" cy="6858000"/>
   <p:notesSz cx="6858000" cy="9144000"/>
@@ -3109,6 +3111,1094 @@
 </p:sld>
 </file>
 
+<file path=ppt/slides/slide10.xml><?xml version="1.0" encoding="utf-8"?>
+<p:sld xmlns:a="http://schemas.openxmlformats.org/drawingml/2006/main" xmlns:r="http://schemas.openxmlformats.org/officeDocument/2006/relationships" xmlns:p="http://schemas.openxmlformats.org/presentationml/2006/main">
+  <p:cSld>
+    <p:spTree>
+      <p:nvGrpSpPr>
+        <p:cNvPr id="1" name=""/>
+        <p:cNvGrpSpPr/>
+        <p:nvPr/>
+      </p:nvGrpSpPr>
+      <p:grpSpPr>
+        <a:xfrm>
+          <a:off x="0" y="0"/>
+          <a:ext cx="0" cy="0"/>
+          <a:chOff x="0" y="0"/>
+          <a:chExt cx="0" cy="0"/>
+        </a:xfrm>
+      </p:grpSpPr>
+      <p:pic>
+        <p:nvPicPr>
+          <p:cNvPr id="2" name="圖片 1"/>
+          <p:cNvPicPr>
+            <a:picLocks noChangeAspect="1"/>
+          </p:cNvPicPr>
+          <p:nvPr/>
+        </p:nvPicPr>
+        <p:blipFill>
+          <a:blip r:embed="rId2"/>
+          <a:stretch>
+            <a:fillRect/>
+          </a:stretch>
+        </p:blipFill>
+        <p:spPr>
+          <a:xfrm>
+            <a:off x="1500187" y="742950"/>
+            <a:ext cx="9191625" cy="5372100"/>
+          </a:xfrm>
+          <a:prstGeom prst="rect">
+            <a:avLst/>
+          </a:prstGeom>
+        </p:spPr>
+      </p:pic>
+      <p:sp>
+        <p:nvSpPr>
+          <p:cNvPr id="3" name="矩形 2"/>
+          <p:cNvSpPr/>
+          <p:nvPr/>
+        </p:nvSpPr>
+        <p:spPr>
+          <a:xfrm>
+            <a:off x="8691968" y="2215056"/>
+            <a:ext cx="863988" cy="244774"/>
+          </a:xfrm>
+          <a:prstGeom prst="rect">
+            <a:avLst/>
+          </a:prstGeom>
+          <a:noFill/>
+          <a:ln w="28575">
+            <a:solidFill>
+              <a:srgbClr val="FF0000"/>
+            </a:solidFill>
+          </a:ln>
+        </p:spPr>
+        <p:style>
+          <a:lnRef idx="2">
+            <a:schemeClr val="accent1">
+              <a:shade val="50000"/>
+            </a:schemeClr>
+          </a:lnRef>
+          <a:fillRef idx="1">
+            <a:schemeClr val="accent1"/>
+          </a:fillRef>
+          <a:effectRef idx="0">
+            <a:schemeClr val="accent1"/>
+          </a:effectRef>
+          <a:fontRef idx="minor">
+            <a:schemeClr val="lt1"/>
+          </a:fontRef>
+        </p:style>
+        <p:txBody>
+          <a:bodyPr rtlCol="0" anchor="ctr"/>
+          <a:lstStyle/>
+          <a:p>
+            <a:pPr algn="ctr"/>
+            <a:endParaRPr lang="zh-TW" altLang="en-US"/>
+          </a:p>
+        </p:txBody>
+      </p:sp>
+      <p:sp>
+        <p:nvSpPr>
+          <p:cNvPr id="4" name="矩形 3"/>
+          <p:cNvSpPr/>
+          <p:nvPr/>
+        </p:nvSpPr>
+        <p:spPr>
+          <a:xfrm>
+            <a:off x="8720542" y="2619375"/>
+            <a:ext cx="1030677" cy="273844"/>
+          </a:xfrm>
+          <a:prstGeom prst="rect">
+            <a:avLst/>
+          </a:prstGeom>
+          <a:noFill/>
+          <a:ln w="28575">
+            <a:solidFill>
+              <a:srgbClr val="FF0000"/>
+            </a:solidFill>
+          </a:ln>
+        </p:spPr>
+        <p:style>
+          <a:lnRef idx="2">
+            <a:schemeClr val="accent1">
+              <a:shade val="50000"/>
+            </a:schemeClr>
+          </a:lnRef>
+          <a:fillRef idx="1">
+            <a:schemeClr val="accent1"/>
+          </a:fillRef>
+          <a:effectRef idx="0">
+            <a:schemeClr val="accent1"/>
+          </a:effectRef>
+          <a:fontRef idx="minor">
+            <a:schemeClr val="lt1"/>
+          </a:fontRef>
+        </p:style>
+        <p:txBody>
+          <a:bodyPr rtlCol="0" anchor="ctr"/>
+          <a:lstStyle/>
+          <a:p>
+            <a:pPr algn="ctr"/>
+            <a:endParaRPr lang="zh-TW" altLang="en-US"/>
+          </a:p>
+        </p:txBody>
+      </p:sp>
+      <p:sp>
+        <p:nvSpPr>
+          <p:cNvPr id="5" name="矩形 4"/>
+          <p:cNvSpPr/>
+          <p:nvPr/>
+        </p:nvSpPr>
+        <p:spPr>
+          <a:xfrm>
+            <a:off x="8378778" y="3213099"/>
+            <a:ext cx="1643903" cy="273844"/>
+          </a:xfrm>
+          <a:prstGeom prst="rect">
+            <a:avLst/>
+          </a:prstGeom>
+          <a:noFill/>
+          <a:ln w="28575">
+            <a:solidFill>
+              <a:srgbClr val="FF0000"/>
+            </a:solidFill>
+          </a:ln>
+        </p:spPr>
+        <p:style>
+          <a:lnRef idx="2">
+            <a:schemeClr val="accent1">
+              <a:shade val="50000"/>
+            </a:schemeClr>
+          </a:lnRef>
+          <a:fillRef idx="1">
+            <a:schemeClr val="accent1"/>
+          </a:fillRef>
+          <a:effectRef idx="0">
+            <a:schemeClr val="accent1"/>
+          </a:effectRef>
+          <a:fontRef idx="minor">
+            <a:schemeClr val="lt1"/>
+          </a:fontRef>
+        </p:style>
+        <p:txBody>
+          <a:bodyPr rtlCol="0" anchor="ctr"/>
+          <a:lstStyle/>
+          <a:p>
+            <a:pPr algn="ctr"/>
+            <a:endParaRPr lang="zh-TW" altLang="en-US"/>
+          </a:p>
+        </p:txBody>
+      </p:sp>
+      <p:sp>
+        <p:nvSpPr>
+          <p:cNvPr id="6" name="文字方塊 5"/>
+          <p:cNvSpPr txBox="1"/>
+          <p:nvPr/>
+        </p:nvSpPr>
+        <p:spPr>
+          <a:xfrm>
+            <a:off x="8390282" y="2152777"/>
+            <a:ext cx="301686" cy="369332"/>
+          </a:xfrm>
+          <a:prstGeom prst="rect">
+            <a:avLst/>
+          </a:prstGeom>
+          <a:noFill/>
+        </p:spPr>
+        <p:txBody>
+          <a:bodyPr wrap="none" rtlCol="0">
+            <a:spAutoFit/>
+          </a:bodyPr>
+          <a:lstStyle/>
+          <a:p>
+            <a:r>
+              <a:rPr lang="en-US" altLang="zh-TW" dirty="0" smtClean="0">
+                <a:solidFill>
+                  <a:srgbClr val="FF0000"/>
+                </a:solidFill>
+              </a:rPr>
+              <a:t>1</a:t>
+            </a:r>
+            <a:endParaRPr lang="zh-TW" altLang="en-US" dirty="0">
+              <a:solidFill>
+                <a:srgbClr val="FF0000"/>
+              </a:solidFill>
+            </a:endParaRPr>
+          </a:p>
+        </p:txBody>
+      </p:sp>
+      <p:sp>
+        <p:nvSpPr>
+          <p:cNvPr id="7" name="文字方塊 6"/>
+          <p:cNvSpPr txBox="1"/>
+          <p:nvPr/>
+        </p:nvSpPr>
+        <p:spPr>
+          <a:xfrm>
+            <a:off x="8419260" y="2571631"/>
+            <a:ext cx="301686" cy="369332"/>
+          </a:xfrm>
+          <a:prstGeom prst="rect">
+            <a:avLst/>
+          </a:prstGeom>
+          <a:noFill/>
+        </p:spPr>
+        <p:txBody>
+          <a:bodyPr wrap="none" rtlCol="0">
+            <a:spAutoFit/>
+          </a:bodyPr>
+          <a:lstStyle/>
+          <a:p>
+            <a:r>
+              <a:rPr lang="en-US" altLang="zh-TW" dirty="0" smtClean="0">
+                <a:solidFill>
+                  <a:srgbClr val="FF0000"/>
+                </a:solidFill>
+              </a:rPr>
+              <a:t>2</a:t>
+            </a:r>
+            <a:endParaRPr lang="zh-TW" altLang="en-US" dirty="0">
+              <a:solidFill>
+                <a:srgbClr val="FF0000"/>
+              </a:solidFill>
+            </a:endParaRPr>
+          </a:p>
+        </p:txBody>
+      </p:sp>
+      <p:sp>
+        <p:nvSpPr>
+          <p:cNvPr id="8" name="文字方塊 7"/>
+          <p:cNvSpPr txBox="1"/>
+          <p:nvPr/>
+        </p:nvSpPr>
+        <p:spPr>
+          <a:xfrm>
+            <a:off x="8077092" y="3165355"/>
+            <a:ext cx="301686" cy="369332"/>
+          </a:xfrm>
+          <a:prstGeom prst="rect">
+            <a:avLst/>
+          </a:prstGeom>
+          <a:noFill/>
+        </p:spPr>
+        <p:txBody>
+          <a:bodyPr wrap="none" rtlCol="0">
+            <a:spAutoFit/>
+          </a:bodyPr>
+          <a:lstStyle/>
+          <a:p>
+            <a:r>
+              <a:rPr lang="en-US" altLang="zh-TW" dirty="0" smtClean="0">
+                <a:solidFill>
+                  <a:srgbClr val="FF0000"/>
+                </a:solidFill>
+              </a:rPr>
+              <a:t>3</a:t>
+            </a:r>
+            <a:endParaRPr lang="zh-TW" altLang="en-US" dirty="0">
+              <a:solidFill>
+                <a:srgbClr val="FF0000"/>
+              </a:solidFill>
+            </a:endParaRPr>
+          </a:p>
+        </p:txBody>
+      </p:sp>
+      <p:pic>
+        <p:nvPicPr>
+          <p:cNvPr id="9" name="圖片 8"/>
+          <p:cNvPicPr>
+            <a:picLocks noChangeAspect="1"/>
+          </p:cNvPicPr>
+          <p:nvPr/>
+        </p:nvPicPr>
+        <p:blipFill>
+          <a:blip r:embed="rId3"/>
+          <a:stretch>
+            <a:fillRect/>
+          </a:stretch>
+        </p:blipFill>
+        <p:spPr>
+          <a:xfrm>
+            <a:off x="2624137" y="3503333"/>
+            <a:ext cx="4924425" cy="1600200"/>
+          </a:xfrm>
+          <a:prstGeom prst="rect">
+            <a:avLst/>
+          </a:prstGeom>
+        </p:spPr>
+      </p:pic>
+      <p:sp>
+        <p:nvSpPr>
+          <p:cNvPr id="10" name="矩形 9"/>
+          <p:cNvSpPr/>
+          <p:nvPr/>
+        </p:nvSpPr>
+        <p:spPr>
+          <a:xfrm>
+            <a:off x="5648324" y="4691063"/>
+            <a:ext cx="847726" cy="271461"/>
+          </a:xfrm>
+          <a:prstGeom prst="rect">
+            <a:avLst/>
+          </a:prstGeom>
+          <a:noFill/>
+          <a:ln w="28575">
+            <a:solidFill>
+              <a:srgbClr val="FF0000"/>
+            </a:solidFill>
+          </a:ln>
+        </p:spPr>
+        <p:style>
+          <a:lnRef idx="2">
+            <a:schemeClr val="accent1">
+              <a:shade val="50000"/>
+            </a:schemeClr>
+          </a:lnRef>
+          <a:fillRef idx="1">
+            <a:schemeClr val="accent1"/>
+          </a:fillRef>
+          <a:effectRef idx="0">
+            <a:schemeClr val="accent1"/>
+          </a:effectRef>
+          <a:fontRef idx="minor">
+            <a:schemeClr val="lt1"/>
+          </a:fontRef>
+        </p:style>
+        <p:txBody>
+          <a:bodyPr rtlCol="0" anchor="ctr"/>
+          <a:lstStyle/>
+          <a:p>
+            <a:pPr algn="ctr"/>
+            <a:endParaRPr lang="zh-TW" altLang="en-US"/>
+          </a:p>
+        </p:txBody>
+      </p:sp>
+      <p:sp>
+        <p:nvSpPr>
+          <p:cNvPr id="11" name="文字方塊 10"/>
+          <p:cNvSpPr txBox="1"/>
+          <p:nvPr/>
+        </p:nvSpPr>
+        <p:spPr>
+          <a:xfrm>
+            <a:off x="5346638" y="4642127"/>
+            <a:ext cx="301686" cy="369332"/>
+          </a:xfrm>
+          <a:prstGeom prst="rect">
+            <a:avLst/>
+          </a:prstGeom>
+          <a:noFill/>
+        </p:spPr>
+        <p:txBody>
+          <a:bodyPr wrap="none" rtlCol="0">
+            <a:spAutoFit/>
+          </a:bodyPr>
+          <a:lstStyle/>
+          <a:p>
+            <a:r>
+              <a:rPr lang="en-US" altLang="zh-TW" dirty="0" smtClean="0">
+                <a:solidFill>
+                  <a:srgbClr val="FF0000"/>
+                </a:solidFill>
+              </a:rPr>
+              <a:t>4</a:t>
+            </a:r>
+            <a:endParaRPr lang="zh-TW" altLang="en-US" dirty="0">
+              <a:solidFill>
+                <a:srgbClr val="FF0000"/>
+              </a:solidFill>
+            </a:endParaRPr>
+          </a:p>
+        </p:txBody>
+      </p:sp>
+    </p:spTree>
+    <p:extLst>
+      <p:ext uri="{BB962C8B-B14F-4D97-AF65-F5344CB8AC3E}">
+        <p14:creationId xmlns:p14="http://schemas.microsoft.com/office/powerpoint/2010/main" val="3761912186"/>
+      </p:ext>
+    </p:extLst>
+  </p:cSld>
+  <p:clrMapOvr>
+    <a:masterClrMapping/>
+  </p:clrMapOvr>
+</p:sld>
+</file>
+
+<file path=ppt/slides/slide11.xml><?xml version="1.0" encoding="utf-8"?>
+<p:sld xmlns:a="http://schemas.openxmlformats.org/drawingml/2006/main" xmlns:r="http://schemas.openxmlformats.org/officeDocument/2006/relationships" xmlns:p="http://schemas.openxmlformats.org/presentationml/2006/main">
+  <p:cSld>
+    <p:spTree>
+      <p:nvGrpSpPr>
+        <p:cNvPr id="1" name=""/>
+        <p:cNvGrpSpPr/>
+        <p:nvPr/>
+      </p:nvGrpSpPr>
+      <p:grpSpPr>
+        <a:xfrm>
+          <a:off x="0" y="0"/>
+          <a:ext cx="0" cy="0"/>
+          <a:chOff x="0" y="0"/>
+          <a:chExt cx="0" cy="0"/>
+        </a:xfrm>
+      </p:grpSpPr>
+      <p:pic>
+        <p:nvPicPr>
+          <p:cNvPr id="11" name="圖片 10"/>
+          <p:cNvPicPr>
+            <a:picLocks noChangeAspect="1"/>
+          </p:cNvPicPr>
+          <p:nvPr/>
+        </p:nvPicPr>
+        <p:blipFill>
+          <a:blip r:embed="rId2"/>
+          <a:stretch>
+            <a:fillRect/>
+          </a:stretch>
+        </p:blipFill>
+        <p:spPr>
+          <a:xfrm>
+            <a:off x="1019175" y="333375"/>
+            <a:ext cx="10153650" cy="6191250"/>
+          </a:xfrm>
+          <a:prstGeom prst="rect">
+            <a:avLst/>
+          </a:prstGeom>
+        </p:spPr>
+      </p:pic>
+      <p:sp>
+        <p:nvSpPr>
+          <p:cNvPr id="3" name="矩形 2"/>
+          <p:cNvSpPr/>
+          <p:nvPr/>
+        </p:nvSpPr>
+        <p:spPr>
+          <a:xfrm>
+            <a:off x="1376768" y="2242678"/>
+            <a:ext cx="6288952" cy="244774"/>
+          </a:xfrm>
+          <a:prstGeom prst="rect">
+            <a:avLst/>
+          </a:prstGeom>
+          <a:noFill/>
+          <a:ln w="28575">
+            <a:solidFill>
+              <a:srgbClr val="FF0000"/>
+            </a:solidFill>
+          </a:ln>
+        </p:spPr>
+        <p:style>
+          <a:lnRef idx="2">
+            <a:schemeClr val="accent1">
+              <a:shade val="50000"/>
+            </a:schemeClr>
+          </a:lnRef>
+          <a:fillRef idx="1">
+            <a:schemeClr val="accent1"/>
+          </a:fillRef>
+          <a:effectRef idx="0">
+            <a:schemeClr val="accent1"/>
+          </a:effectRef>
+          <a:fontRef idx="minor">
+            <a:schemeClr val="lt1"/>
+          </a:fontRef>
+        </p:style>
+        <p:txBody>
+          <a:bodyPr rtlCol="0" anchor="ctr"/>
+          <a:lstStyle/>
+          <a:p>
+            <a:pPr algn="ctr"/>
+            <a:endParaRPr lang="zh-TW" altLang="en-US"/>
+          </a:p>
+        </p:txBody>
+      </p:sp>
+      <p:sp>
+        <p:nvSpPr>
+          <p:cNvPr id="4" name="文字方塊 3"/>
+          <p:cNvSpPr txBox="1"/>
+          <p:nvPr/>
+        </p:nvSpPr>
+        <p:spPr>
+          <a:xfrm>
+            <a:off x="1075082" y="2180399"/>
+            <a:ext cx="301686" cy="369332"/>
+          </a:xfrm>
+          <a:prstGeom prst="rect">
+            <a:avLst/>
+          </a:prstGeom>
+          <a:noFill/>
+        </p:spPr>
+        <p:txBody>
+          <a:bodyPr wrap="none" rtlCol="0">
+            <a:spAutoFit/>
+          </a:bodyPr>
+          <a:lstStyle/>
+          <a:p>
+            <a:r>
+              <a:rPr lang="en-US" altLang="zh-TW" dirty="0" smtClean="0">
+                <a:solidFill>
+                  <a:srgbClr val="FF0000"/>
+                </a:solidFill>
+              </a:rPr>
+              <a:t>1</a:t>
+            </a:r>
+            <a:endParaRPr lang="zh-TW" altLang="en-US" dirty="0">
+              <a:solidFill>
+                <a:srgbClr val="FF0000"/>
+              </a:solidFill>
+            </a:endParaRPr>
+          </a:p>
+        </p:txBody>
+      </p:sp>
+      <p:sp>
+        <p:nvSpPr>
+          <p:cNvPr id="7" name="矩形 6"/>
+          <p:cNvSpPr/>
+          <p:nvPr/>
+        </p:nvSpPr>
+        <p:spPr>
+          <a:xfrm>
+            <a:off x="2374988" y="2549730"/>
+            <a:ext cx="5848262" cy="269669"/>
+          </a:xfrm>
+          <a:prstGeom prst="rect">
+            <a:avLst/>
+          </a:prstGeom>
+          <a:noFill/>
+          <a:ln w="28575">
+            <a:solidFill>
+              <a:srgbClr val="FF0000"/>
+            </a:solidFill>
+          </a:ln>
+        </p:spPr>
+        <p:style>
+          <a:lnRef idx="2">
+            <a:schemeClr val="accent1">
+              <a:shade val="50000"/>
+            </a:schemeClr>
+          </a:lnRef>
+          <a:fillRef idx="1">
+            <a:schemeClr val="accent1"/>
+          </a:fillRef>
+          <a:effectRef idx="0">
+            <a:schemeClr val="accent1"/>
+          </a:effectRef>
+          <a:fontRef idx="minor">
+            <a:schemeClr val="lt1"/>
+          </a:fontRef>
+        </p:style>
+        <p:txBody>
+          <a:bodyPr rtlCol="0" anchor="ctr"/>
+          <a:lstStyle/>
+          <a:p>
+            <a:pPr algn="ctr"/>
+            <a:endParaRPr lang="zh-TW" altLang="en-US"/>
+          </a:p>
+        </p:txBody>
+      </p:sp>
+      <p:sp>
+        <p:nvSpPr>
+          <p:cNvPr id="8" name="文字方塊 7"/>
+          <p:cNvSpPr txBox="1"/>
+          <p:nvPr/>
+        </p:nvSpPr>
+        <p:spPr>
+          <a:xfrm>
+            <a:off x="2073302" y="2499898"/>
+            <a:ext cx="301686" cy="369332"/>
+          </a:xfrm>
+          <a:prstGeom prst="rect">
+            <a:avLst/>
+          </a:prstGeom>
+          <a:noFill/>
+        </p:spPr>
+        <p:txBody>
+          <a:bodyPr wrap="none" rtlCol="0">
+            <a:spAutoFit/>
+          </a:bodyPr>
+          <a:lstStyle/>
+          <a:p>
+            <a:r>
+              <a:rPr lang="en-US" altLang="zh-TW" dirty="0" smtClean="0">
+                <a:solidFill>
+                  <a:srgbClr val="FF0000"/>
+                </a:solidFill>
+              </a:rPr>
+              <a:t>2</a:t>
+            </a:r>
+            <a:endParaRPr lang="zh-TW" altLang="en-US" dirty="0">
+              <a:solidFill>
+                <a:srgbClr val="FF0000"/>
+              </a:solidFill>
+            </a:endParaRPr>
+          </a:p>
+        </p:txBody>
+      </p:sp>
+      <p:sp>
+        <p:nvSpPr>
+          <p:cNvPr id="9" name="矩形 8"/>
+          <p:cNvSpPr/>
+          <p:nvPr/>
+        </p:nvSpPr>
+        <p:spPr>
+          <a:xfrm>
+            <a:off x="2374988" y="2893662"/>
+            <a:ext cx="5848262" cy="269669"/>
+          </a:xfrm>
+          <a:prstGeom prst="rect">
+            <a:avLst/>
+          </a:prstGeom>
+          <a:noFill/>
+          <a:ln w="28575">
+            <a:solidFill>
+              <a:srgbClr val="00B0F0"/>
+            </a:solidFill>
+          </a:ln>
+        </p:spPr>
+        <p:style>
+          <a:lnRef idx="2">
+            <a:schemeClr val="accent1">
+              <a:shade val="50000"/>
+            </a:schemeClr>
+          </a:lnRef>
+          <a:fillRef idx="1">
+            <a:schemeClr val="accent1"/>
+          </a:fillRef>
+          <a:effectRef idx="0">
+            <a:schemeClr val="accent1"/>
+          </a:effectRef>
+          <a:fontRef idx="minor">
+            <a:schemeClr val="lt1"/>
+          </a:fontRef>
+        </p:style>
+        <p:txBody>
+          <a:bodyPr rtlCol="0" anchor="ctr"/>
+          <a:lstStyle/>
+          <a:p>
+            <a:pPr algn="ctr"/>
+            <a:endParaRPr lang="zh-TW" altLang="en-US"/>
+          </a:p>
+        </p:txBody>
+      </p:sp>
+      <p:sp>
+        <p:nvSpPr>
+          <p:cNvPr id="10" name="矩形 9"/>
+          <p:cNvSpPr/>
+          <p:nvPr/>
+        </p:nvSpPr>
+        <p:spPr>
+          <a:xfrm>
+            <a:off x="1510118" y="3231244"/>
+            <a:ext cx="3658782" cy="496206"/>
+          </a:xfrm>
+          <a:prstGeom prst="rect">
+            <a:avLst/>
+          </a:prstGeom>
+          <a:noFill/>
+          <a:ln w="28575">
+            <a:solidFill>
+              <a:srgbClr val="00B0F0"/>
+            </a:solidFill>
+          </a:ln>
+        </p:spPr>
+        <p:style>
+          <a:lnRef idx="2">
+            <a:schemeClr val="accent1">
+              <a:shade val="50000"/>
+            </a:schemeClr>
+          </a:lnRef>
+          <a:fillRef idx="1">
+            <a:schemeClr val="accent1"/>
+          </a:fillRef>
+          <a:effectRef idx="0">
+            <a:schemeClr val="accent1"/>
+          </a:effectRef>
+          <a:fontRef idx="minor">
+            <a:schemeClr val="lt1"/>
+          </a:fontRef>
+        </p:style>
+        <p:txBody>
+          <a:bodyPr rtlCol="0" anchor="ctr"/>
+          <a:lstStyle/>
+          <a:p>
+            <a:pPr algn="ctr"/>
+            <a:endParaRPr lang="zh-TW" altLang="en-US"/>
+          </a:p>
+        </p:txBody>
+      </p:sp>
+      <p:sp>
+        <p:nvSpPr>
+          <p:cNvPr id="12" name="矩形 11"/>
+          <p:cNvSpPr/>
+          <p:nvPr/>
+        </p:nvSpPr>
+        <p:spPr>
+          <a:xfrm>
+            <a:off x="1510118" y="3804889"/>
+            <a:ext cx="6490882" cy="269669"/>
+          </a:xfrm>
+          <a:prstGeom prst="rect">
+            <a:avLst/>
+          </a:prstGeom>
+          <a:noFill/>
+          <a:ln w="28575">
+            <a:solidFill>
+              <a:srgbClr val="FF0000"/>
+            </a:solidFill>
+          </a:ln>
+        </p:spPr>
+        <p:style>
+          <a:lnRef idx="2">
+            <a:schemeClr val="accent1">
+              <a:shade val="50000"/>
+            </a:schemeClr>
+          </a:lnRef>
+          <a:fillRef idx="1">
+            <a:schemeClr val="accent1"/>
+          </a:fillRef>
+          <a:effectRef idx="0">
+            <a:schemeClr val="accent1"/>
+          </a:effectRef>
+          <a:fontRef idx="minor">
+            <a:schemeClr val="lt1"/>
+          </a:fontRef>
+        </p:style>
+        <p:txBody>
+          <a:bodyPr rtlCol="0" anchor="ctr"/>
+          <a:lstStyle/>
+          <a:p>
+            <a:pPr algn="ctr"/>
+            <a:endParaRPr lang="zh-TW" altLang="en-US"/>
+          </a:p>
+        </p:txBody>
+      </p:sp>
+      <p:sp>
+        <p:nvSpPr>
+          <p:cNvPr id="13" name="文字方塊 12"/>
+          <p:cNvSpPr txBox="1"/>
+          <p:nvPr/>
+        </p:nvSpPr>
+        <p:spPr>
+          <a:xfrm>
+            <a:off x="1208432" y="3755057"/>
+            <a:ext cx="301686" cy="369332"/>
+          </a:xfrm>
+          <a:prstGeom prst="rect">
+            <a:avLst/>
+          </a:prstGeom>
+          <a:noFill/>
+        </p:spPr>
+        <p:txBody>
+          <a:bodyPr wrap="none" rtlCol="0">
+            <a:spAutoFit/>
+          </a:bodyPr>
+          <a:lstStyle/>
+          <a:p>
+            <a:r>
+              <a:rPr lang="en-US" altLang="zh-TW" dirty="0" smtClean="0">
+                <a:solidFill>
+                  <a:srgbClr val="FF0000"/>
+                </a:solidFill>
+              </a:rPr>
+              <a:t>3</a:t>
+            </a:r>
+            <a:endParaRPr lang="zh-TW" altLang="en-US" dirty="0">
+              <a:solidFill>
+                <a:srgbClr val="FF0000"/>
+              </a:solidFill>
+            </a:endParaRPr>
+          </a:p>
+        </p:txBody>
+      </p:sp>
+      <p:sp>
+        <p:nvSpPr>
+          <p:cNvPr id="14" name="矩形 13"/>
+          <p:cNvSpPr/>
+          <p:nvPr/>
+        </p:nvSpPr>
+        <p:spPr>
+          <a:xfrm>
+            <a:off x="8704951" y="6076512"/>
+            <a:ext cx="1093100" cy="295713"/>
+          </a:xfrm>
+          <a:prstGeom prst="rect">
+            <a:avLst/>
+          </a:prstGeom>
+          <a:noFill/>
+          <a:ln w="28575">
+            <a:solidFill>
+              <a:srgbClr val="FF0000"/>
+            </a:solidFill>
+          </a:ln>
+        </p:spPr>
+        <p:style>
+          <a:lnRef idx="2">
+            <a:schemeClr val="accent1">
+              <a:shade val="50000"/>
+            </a:schemeClr>
+          </a:lnRef>
+          <a:fillRef idx="1">
+            <a:schemeClr val="accent1"/>
+          </a:fillRef>
+          <a:effectRef idx="0">
+            <a:schemeClr val="accent1"/>
+          </a:effectRef>
+          <a:fontRef idx="minor">
+            <a:schemeClr val="lt1"/>
+          </a:fontRef>
+        </p:style>
+        <p:txBody>
+          <a:bodyPr rtlCol="0" anchor="ctr"/>
+          <a:lstStyle/>
+          <a:p>
+            <a:pPr algn="ctr"/>
+            <a:endParaRPr lang="zh-TW" altLang="en-US"/>
+          </a:p>
+        </p:txBody>
+      </p:sp>
+      <p:sp>
+        <p:nvSpPr>
+          <p:cNvPr id="15" name="文字方塊 14"/>
+          <p:cNvSpPr txBox="1"/>
+          <p:nvPr/>
+        </p:nvSpPr>
+        <p:spPr>
+          <a:xfrm>
+            <a:off x="8403265" y="6039702"/>
+            <a:ext cx="301686" cy="369332"/>
+          </a:xfrm>
+          <a:prstGeom prst="rect">
+            <a:avLst/>
+          </a:prstGeom>
+          <a:noFill/>
+        </p:spPr>
+        <p:txBody>
+          <a:bodyPr wrap="none" rtlCol="0">
+            <a:spAutoFit/>
+          </a:bodyPr>
+          <a:lstStyle/>
+          <a:p>
+            <a:r>
+              <a:rPr lang="en-US" altLang="zh-TW" dirty="0" smtClean="0">
+                <a:solidFill>
+                  <a:srgbClr val="FF0000"/>
+                </a:solidFill>
+              </a:rPr>
+              <a:t>4</a:t>
+            </a:r>
+            <a:endParaRPr lang="zh-TW" altLang="en-US" dirty="0">
+              <a:solidFill>
+                <a:srgbClr val="FF0000"/>
+              </a:solidFill>
+            </a:endParaRPr>
+          </a:p>
+        </p:txBody>
+      </p:sp>
+      <p:pic>
+        <p:nvPicPr>
+          <p:cNvPr id="21" name="圖片 20"/>
+          <p:cNvPicPr>
+            <a:picLocks noChangeAspect="1"/>
+          </p:cNvPicPr>
+          <p:nvPr/>
+        </p:nvPicPr>
+        <p:blipFill>
+          <a:blip r:embed="rId3"/>
+          <a:stretch>
+            <a:fillRect/>
+          </a:stretch>
+        </p:blipFill>
+        <p:spPr>
+          <a:xfrm>
+            <a:off x="3127972" y="4285179"/>
+            <a:ext cx="5124450" cy="2028825"/>
+          </a:xfrm>
+          <a:prstGeom prst="rect">
+            <a:avLst/>
+          </a:prstGeom>
+        </p:spPr>
+      </p:pic>
+      <p:sp>
+        <p:nvSpPr>
+          <p:cNvPr id="22" name="矩形 21"/>
+          <p:cNvSpPr/>
+          <p:nvPr/>
+        </p:nvSpPr>
+        <p:spPr>
+          <a:xfrm>
+            <a:off x="4461503" y="5504473"/>
+            <a:ext cx="3158436" cy="295713"/>
+          </a:xfrm>
+          <a:prstGeom prst="rect">
+            <a:avLst/>
+          </a:prstGeom>
+          <a:noFill/>
+          <a:ln w="28575">
+            <a:solidFill>
+              <a:srgbClr val="FF0000"/>
+            </a:solidFill>
+          </a:ln>
+        </p:spPr>
+        <p:style>
+          <a:lnRef idx="2">
+            <a:schemeClr val="accent1">
+              <a:shade val="50000"/>
+            </a:schemeClr>
+          </a:lnRef>
+          <a:fillRef idx="1">
+            <a:schemeClr val="accent1"/>
+          </a:fillRef>
+          <a:effectRef idx="0">
+            <a:schemeClr val="accent1"/>
+          </a:effectRef>
+          <a:fontRef idx="minor">
+            <a:schemeClr val="lt1"/>
+          </a:fontRef>
+        </p:style>
+        <p:txBody>
+          <a:bodyPr rtlCol="0" anchor="ctr"/>
+          <a:lstStyle/>
+          <a:p>
+            <a:pPr algn="ctr"/>
+            <a:endParaRPr lang="zh-TW" altLang="en-US"/>
+          </a:p>
+        </p:txBody>
+      </p:sp>
+      <p:sp>
+        <p:nvSpPr>
+          <p:cNvPr id="23" name="文字方塊 22"/>
+          <p:cNvSpPr txBox="1"/>
+          <p:nvPr/>
+        </p:nvSpPr>
+        <p:spPr>
+          <a:xfrm>
+            <a:off x="4159817" y="5467663"/>
+            <a:ext cx="301686" cy="369332"/>
+          </a:xfrm>
+          <a:prstGeom prst="rect">
+            <a:avLst/>
+          </a:prstGeom>
+          <a:noFill/>
+        </p:spPr>
+        <p:txBody>
+          <a:bodyPr wrap="none" rtlCol="0">
+            <a:spAutoFit/>
+          </a:bodyPr>
+          <a:lstStyle/>
+          <a:p>
+            <a:r>
+              <a:rPr lang="en-US" altLang="zh-TW" dirty="0" smtClean="0">
+                <a:solidFill>
+                  <a:srgbClr val="FF0000"/>
+                </a:solidFill>
+              </a:rPr>
+              <a:t>5</a:t>
+            </a:r>
+            <a:endParaRPr lang="zh-TW" altLang="en-US" dirty="0">
+              <a:solidFill>
+                <a:srgbClr val="FF0000"/>
+              </a:solidFill>
+            </a:endParaRPr>
+          </a:p>
+        </p:txBody>
+      </p:sp>
+      <p:sp>
+        <p:nvSpPr>
+          <p:cNvPr id="25" name="矩形 24"/>
+          <p:cNvSpPr/>
+          <p:nvPr/>
+        </p:nvSpPr>
+        <p:spPr>
+          <a:xfrm>
+            <a:off x="5787891" y="5865814"/>
+            <a:ext cx="1093100" cy="292584"/>
+          </a:xfrm>
+          <a:prstGeom prst="rect">
+            <a:avLst/>
+          </a:prstGeom>
+          <a:noFill/>
+          <a:ln w="28575">
+            <a:solidFill>
+              <a:srgbClr val="FF0000"/>
+            </a:solidFill>
+          </a:ln>
+        </p:spPr>
+        <p:style>
+          <a:lnRef idx="2">
+            <a:schemeClr val="accent1">
+              <a:shade val="50000"/>
+            </a:schemeClr>
+          </a:lnRef>
+          <a:fillRef idx="1">
+            <a:schemeClr val="accent1"/>
+          </a:fillRef>
+          <a:effectRef idx="0">
+            <a:schemeClr val="accent1"/>
+          </a:effectRef>
+          <a:fontRef idx="minor">
+            <a:schemeClr val="lt1"/>
+          </a:fontRef>
+        </p:style>
+        <p:txBody>
+          <a:bodyPr rtlCol="0" anchor="ctr"/>
+          <a:lstStyle/>
+          <a:p>
+            <a:pPr algn="ctr"/>
+            <a:endParaRPr lang="zh-TW" altLang="en-US"/>
+          </a:p>
+        </p:txBody>
+      </p:sp>
+      <p:sp>
+        <p:nvSpPr>
+          <p:cNvPr id="26" name="文字方塊 25"/>
+          <p:cNvSpPr txBox="1"/>
+          <p:nvPr/>
+        </p:nvSpPr>
+        <p:spPr>
+          <a:xfrm>
+            <a:off x="5486205" y="5829546"/>
+            <a:ext cx="301686" cy="369332"/>
+          </a:xfrm>
+          <a:prstGeom prst="rect">
+            <a:avLst/>
+          </a:prstGeom>
+          <a:noFill/>
+        </p:spPr>
+        <p:txBody>
+          <a:bodyPr wrap="none" rtlCol="0">
+            <a:spAutoFit/>
+          </a:bodyPr>
+          <a:lstStyle/>
+          <a:p>
+            <a:r>
+              <a:rPr lang="en-US" altLang="zh-TW" dirty="0" smtClean="0">
+                <a:solidFill>
+                  <a:srgbClr val="FF0000"/>
+                </a:solidFill>
+              </a:rPr>
+              <a:t>6</a:t>
+            </a:r>
+            <a:endParaRPr lang="zh-TW" altLang="en-US" dirty="0">
+              <a:solidFill>
+                <a:srgbClr val="FF0000"/>
+              </a:solidFill>
+            </a:endParaRPr>
+          </a:p>
+        </p:txBody>
+      </p:sp>
+    </p:spTree>
+    <p:extLst>
+      <p:ext uri="{BB962C8B-B14F-4D97-AF65-F5344CB8AC3E}">
+        <p14:creationId xmlns:p14="http://schemas.microsoft.com/office/powerpoint/2010/main" val="2387347968"/>
+      </p:ext>
+    </p:extLst>
+  </p:cSld>
+  <p:clrMapOvr>
+    <a:masterClrMapping/>
+  </p:clrMapOvr>
+</p:sld>
+</file>
+
 <file path=ppt/slides/slide2.xml><?xml version="1.0" encoding="utf-8"?>
 <p:sld xmlns:a="http://schemas.openxmlformats.org/drawingml/2006/main" xmlns:r="http://schemas.openxmlformats.org/officeDocument/2006/relationships" xmlns:p="http://schemas.openxmlformats.org/presentationml/2006/main">
   <p:cSld>

--- a/image/images.pptx
+++ b/image/images.pptx
@@ -264,7 +264,7 @@
           <a:p>
             <a:fld id="{56DE6451-BBA6-47FD-9167-15DF202D03EB}" type="datetimeFigureOut">
               <a:rPr lang="zh-TW" altLang="en-US" smtClean="0"/>
-              <a:t>2018/6/5</a:t>
+              <a:t>2018/7/29</a:t>
             </a:fld>
             <a:endParaRPr lang="zh-TW" altLang="en-US"/>
           </a:p>
@@ -434,7 +434,7 @@
           <a:p>
             <a:fld id="{56DE6451-BBA6-47FD-9167-15DF202D03EB}" type="datetimeFigureOut">
               <a:rPr lang="zh-TW" altLang="en-US" smtClean="0"/>
-              <a:t>2018/6/5</a:t>
+              <a:t>2018/7/29</a:t>
             </a:fld>
             <a:endParaRPr lang="zh-TW" altLang="en-US"/>
           </a:p>
@@ -614,7 +614,7 @@
           <a:p>
             <a:fld id="{56DE6451-BBA6-47FD-9167-15DF202D03EB}" type="datetimeFigureOut">
               <a:rPr lang="zh-TW" altLang="en-US" smtClean="0"/>
-              <a:t>2018/6/5</a:t>
+              <a:t>2018/7/29</a:t>
             </a:fld>
             <a:endParaRPr lang="zh-TW" altLang="en-US"/>
           </a:p>
@@ -784,7 +784,7 @@
           <a:p>
             <a:fld id="{56DE6451-BBA6-47FD-9167-15DF202D03EB}" type="datetimeFigureOut">
               <a:rPr lang="zh-TW" altLang="en-US" smtClean="0"/>
-              <a:t>2018/6/5</a:t>
+              <a:t>2018/7/29</a:t>
             </a:fld>
             <a:endParaRPr lang="zh-TW" altLang="en-US"/>
           </a:p>
@@ -1030,7 +1030,7 @@
           <a:p>
             <a:fld id="{56DE6451-BBA6-47FD-9167-15DF202D03EB}" type="datetimeFigureOut">
               <a:rPr lang="zh-TW" altLang="en-US" smtClean="0"/>
-              <a:t>2018/6/5</a:t>
+              <a:t>2018/7/29</a:t>
             </a:fld>
             <a:endParaRPr lang="zh-TW" altLang="en-US"/>
           </a:p>
@@ -1262,7 +1262,7 @@
           <a:p>
             <a:fld id="{56DE6451-BBA6-47FD-9167-15DF202D03EB}" type="datetimeFigureOut">
               <a:rPr lang="zh-TW" altLang="en-US" smtClean="0"/>
-              <a:t>2018/6/5</a:t>
+              <a:t>2018/7/29</a:t>
             </a:fld>
             <a:endParaRPr lang="zh-TW" altLang="en-US"/>
           </a:p>
@@ -1629,7 +1629,7 @@
           <a:p>
             <a:fld id="{56DE6451-BBA6-47FD-9167-15DF202D03EB}" type="datetimeFigureOut">
               <a:rPr lang="zh-TW" altLang="en-US" smtClean="0"/>
-              <a:t>2018/6/5</a:t>
+              <a:t>2018/7/29</a:t>
             </a:fld>
             <a:endParaRPr lang="zh-TW" altLang="en-US"/>
           </a:p>
@@ -1747,7 +1747,7 @@
           <a:p>
             <a:fld id="{56DE6451-BBA6-47FD-9167-15DF202D03EB}" type="datetimeFigureOut">
               <a:rPr lang="zh-TW" altLang="en-US" smtClean="0"/>
-              <a:t>2018/6/5</a:t>
+              <a:t>2018/7/29</a:t>
             </a:fld>
             <a:endParaRPr lang="zh-TW" altLang="en-US"/>
           </a:p>
@@ -1842,7 +1842,7 @@
           <a:p>
             <a:fld id="{56DE6451-BBA6-47FD-9167-15DF202D03EB}" type="datetimeFigureOut">
               <a:rPr lang="zh-TW" altLang="en-US" smtClean="0"/>
-              <a:t>2018/6/5</a:t>
+              <a:t>2018/7/29</a:t>
             </a:fld>
             <a:endParaRPr lang="zh-TW" altLang="en-US"/>
           </a:p>
@@ -2119,7 +2119,7 @@
           <a:p>
             <a:fld id="{56DE6451-BBA6-47FD-9167-15DF202D03EB}" type="datetimeFigureOut">
               <a:rPr lang="zh-TW" altLang="en-US" smtClean="0"/>
-              <a:t>2018/6/5</a:t>
+              <a:t>2018/7/29</a:t>
             </a:fld>
             <a:endParaRPr lang="zh-TW" altLang="en-US"/>
           </a:p>
@@ -2372,7 +2372,7 @@
           <a:p>
             <a:fld id="{56DE6451-BBA6-47FD-9167-15DF202D03EB}" type="datetimeFigureOut">
               <a:rPr lang="zh-TW" altLang="en-US" smtClean="0"/>
-              <a:t>2018/6/5</a:t>
+              <a:t>2018/7/29</a:t>
             </a:fld>
             <a:endParaRPr lang="zh-TW" altLang="en-US"/>
           </a:p>
@@ -2585,7 +2585,7 @@
           <a:p>
             <a:fld id="{56DE6451-BBA6-47FD-9167-15DF202D03EB}" type="datetimeFigureOut">
               <a:rPr lang="zh-TW" altLang="en-US" smtClean="0"/>
-              <a:t>2018/6/5</a:t>
+              <a:t>2018/7/29</a:t>
             </a:fld>
             <a:endParaRPr lang="zh-TW" altLang="en-US"/>
           </a:p>
@@ -3130,7 +3130,7 @@
       </p:grpSpPr>
       <p:pic>
         <p:nvPicPr>
-          <p:cNvPr id="2" name="圖片 1"/>
+          <p:cNvPr id="12" name="圖片 11"/>
           <p:cNvPicPr>
             <a:picLocks noChangeAspect="1"/>
           </p:cNvPicPr>
@@ -5316,7 +5316,7 @@
       </p:grpSpPr>
       <p:pic>
         <p:nvPicPr>
-          <p:cNvPr id="6" name="圖片 5"/>
+          <p:cNvPr id="5" name="圖片 4"/>
           <p:cNvPicPr>
             <a:picLocks noChangeAspect="1"/>
           </p:cNvPicPr>
@@ -5622,7 +5622,7 @@
       </p:grpSpPr>
       <p:pic>
         <p:nvPicPr>
-          <p:cNvPr id="2" name="圖片 1"/>
+          <p:cNvPr id="11" name="圖片 10"/>
           <p:cNvPicPr>
             <a:picLocks noChangeAspect="1"/>
           </p:cNvPicPr>
@@ -5646,14 +5646,14 @@
       </p:pic>
       <p:sp>
         <p:nvSpPr>
-          <p:cNvPr id="3" name="矩形 2"/>
+          <p:cNvPr id="5" name="矩形 4"/>
           <p:cNvSpPr/>
           <p:nvPr/>
         </p:nvSpPr>
         <p:spPr>
           <a:xfrm>
-            <a:off x="9123288" y="714059"/>
-            <a:ext cx="1193904" cy="244774"/>
+            <a:off x="1974864" y="2548609"/>
+            <a:ext cx="4014456" cy="289482"/>
           </a:xfrm>
           <a:prstGeom prst="rect">
             <a:avLst/>
@@ -5692,14 +5692,14 @@
       </p:sp>
       <p:sp>
         <p:nvSpPr>
-          <p:cNvPr id="5" name="矩形 4"/>
+          <p:cNvPr id="6" name="矩形 5"/>
           <p:cNvSpPr/>
           <p:nvPr/>
         </p:nvSpPr>
         <p:spPr>
           <a:xfrm>
-            <a:off x="1974864" y="2548609"/>
-            <a:ext cx="4014456" cy="289482"/>
+            <a:off x="4141165" y="2875602"/>
+            <a:ext cx="1526210" cy="289482"/>
           </a:xfrm>
           <a:prstGeom prst="rect">
             <a:avLst/>
@@ -5738,14 +5738,14 @@
       </p:sp>
       <p:sp>
         <p:nvSpPr>
-          <p:cNvPr id="6" name="矩形 5"/>
+          <p:cNvPr id="7" name="矩形 6"/>
           <p:cNvSpPr/>
           <p:nvPr/>
         </p:nvSpPr>
         <p:spPr>
           <a:xfrm>
-            <a:off x="4141165" y="2875602"/>
-            <a:ext cx="1526210" cy="289482"/>
+            <a:off x="1974864" y="3858582"/>
+            <a:ext cx="2406636" cy="289482"/>
           </a:xfrm>
           <a:prstGeom prst="rect">
             <a:avLst/>
@@ -5784,14 +5784,14 @@
       </p:sp>
       <p:sp>
         <p:nvSpPr>
-          <p:cNvPr id="7" name="矩形 6"/>
+          <p:cNvPr id="8" name="矩形 7"/>
           <p:cNvSpPr/>
           <p:nvPr/>
         </p:nvSpPr>
         <p:spPr>
           <a:xfrm>
-            <a:off x="1974864" y="3858582"/>
-            <a:ext cx="2406636" cy="289482"/>
+            <a:off x="2543354" y="4462066"/>
+            <a:ext cx="1289506" cy="289482"/>
           </a:xfrm>
           <a:prstGeom prst="rect">
             <a:avLst/>
@@ -5830,14 +5830,14 @@
       </p:sp>
       <p:sp>
         <p:nvSpPr>
-          <p:cNvPr id="8" name="矩形 7"/>
+          <p:cNvPr id="9" name="矩形 8"/>
           <p:cNvSpPr/>
           <p:nvPr/>
         </p:nvSpPr>
         <p:spPr>
           <a:xfrm>
-            <a:off x="2543354" y="4462066"/>
-            <a:ext cx="1289506" cy="289482"/>
+            <a:off x="1952004" y="5377178"/>
+            <a:ext cx="4067796" cy="657861"/>
           </a:xfrm>
           <a:prstGeom prst="rect">
             <a:avLst/>
@@ -5876,14 +5876,14 @@
       </p:sp>
       <p:sp>
         <p:nvSpPr>
-          <p:cNvPr id="9" name="矩形 8"/>
+          <p:cNvPr id="15" name="矩形 14"/>
           <p:cNvSpPr/>
           <p:nvPr/>
         </p:nvSpPr>
         <p:spPr>
           <a:xfrm>
-            <a:off x="1952004" y="5377178"/>
-            <a:ext cx="4067796" cy="657861"/>
+            <a:off x="8617792" y="1702505"/>
+            <a:ext cx="1080000" cy="1080000"/>
           </a:xfrm>
           <a:prstGeom prst="rect">
             <a:avLst/>
@@ -5891,7 +5891,7 @@
           <a:noFill/>
           <a:ln w="28575">
             <a:solidFill>
-              <a:srgbClr val="FF0000"/>
+              <a:srgbClr val="00B0F0"/>
             </a:solidFill>
           </a:ln>
         </p:spPr>
@@ -5916,44 +5916,210 @@
           <a:lstStyle/>
           <a:p>
             <a:pPr algn="ctr"/>
-            <a:endParaRPr lang="zh-TW" altLang="en-US"/>
-          </a:p>
-        </p:txBody>
-      </p:sp>
-      <p:pic>
-        <p:nvPicPr>
-          <p:cNvPr id="10" name="圖片 9"/>
-          <p:cNvPicPr>
-            <a:picLocks noChangeAspect="1"/>
-          </p:cNvPicPr>
-          <p:nvPr/>
-        </p:nvPicPr>
-        <p:blipFill>
-          <a:blip r:embed="rId3"/>
-          <a:stretch>
-            <a:fillRect/>
-          </a:stretch>
-        </p:blipFill>
-        <p:spPr>
-          <a:xfrm>
-            <a:off x="6691792" y="3280097"/>
-            <a:ext cx="3286125" cy="1857375"/>
-          </a:xfrm>
-          <a:prstGeom prst="rect">
-            <a:avLst/>
-          </a:prstGeom>
-        </p:spPr>
-      </p:pic>
-      <p:sp>
-        <p:nvSpPr>
-          <p:cNvPr id="12" name="矩形 11"/>
+            <a:endParaRPr lang="zh-TW" altLang="en-US" dirty="0"/>
+          </a:p>
+        </p:txBody>
+      </p:sp>
+      <p:sp>
+        <p:nvSpPr>
+          <p:cNvPr id="18" name="文字方塊 17"/>
+          <p:cNvSpPr txBox="1"/>
+          <p:nvPr/>
+        </p:nvSpPr>
+        <p:spPr>
+          <a:xfrm>
+            <a:off x="1974864" y="2179277"/>
+            <a:ext cx="301686" cy="369332"/>
+          </a:xfrm>
+          <a:prstGeom prst="rect">
+            <a:avLst/>
+          </a:prstGeom>
+          <a:noFill/>
+        </p:spPr>
+        <p:txBody>
+          <a:bodyPr wrap="none" rtlCol="0">
+            <a:spAutoFit/>
+          </a:bodyPr>
+          <a:lstStyle/>
+          <a:p>
+            <a:r>
+              <a:rPr lang="en-US" altLang="zh-TW" dirty="0" smtClean="0">
+                <a:solidFill>
+                  <a:srgbClr val="FF0000"/>
+                </a:solidFill>
+              </a:rPr>
+              <a:t>1</a:t>
+            </a:r>
+            <a:endParaRPr lang="zh-TW" altLang="en-US" dirty="0">
+              <a:solidFill>
+                <a:srgbClr val="FF0000"/>
+              </a:solidFill>
+            </a:endParaRPr>
+          </a:p>
+        </p:txBody>
+      </p:sp>
+      <p:sp>
+        <p:nvSpPr>
+          <p:cNvPr id="19" name="文字方塊 18"/>
+          <p:cNvSpPr txBox="1"/>
+          <p:nvPr/>
+        </p:nvSpPr>
+        <p:spPr>
+          <a:xfrm>
+            <a:off x="3839479" y="2831508"/>
+            <a:ext cx="301686" cy="369332"/>
+          </a:xfrm>
+          <a:prstGeom prst="rect">
+            <a:avLst/>
+          </a:prstGeom>
+          <a:noFill/>
+        </p:spPr>
+        <p:txBody>
+          <a:bodyPr wrap="none" rtlCol="0">
+            <a:spAutoFit/>
+          </a:bodyPr>
+          <a:lstStyle/>
+          <a:p>
+            <a:r>
+              <a:rPr lang="en-US" altLang="zh-TW" dirty="0" smtClean="0">
+                <a:solidFill>
+                  <a:srgbClr val="FF0000"/>
+                </a:solidFill>
+              </a:rPr>
+              <a:t>2</a:t>
+            </a:r>
+            <a:endParaRPr lang="zh-TW" altLang="en-US" dirty="0">
+              <a:solidFill>
+                <a:srgbClr val="FF0000"/>
+              </a:solidFill>
+            </a:endParaRPr>
+          </a:p>
+        </p:txBody>
+      </p:sp>
+      <p:sp>
+        <p:nvSpPr>
+          <p:cNvPr id="20" name="文字方塊 19"/>
+          <p:cNvSpPr txBox="1"/>
+          <p:nvPr/>
+        </p:nvSpPr>
+        <p:spPr>
+          <a:xfrm>
+            <a:off x="4381500" y="3818657"/>
+            <a:ext cx="301686" cy="369332"/>
+          </a:xfrm>
+          <a:prstGeom prst="rect">
+            <a:avLst/>
+          </a:prstGeom>
+          <a:noFill/>
+        </p:spPr>
+        <p:txBody>
+          <a:bodyPr wrap="none" rtlCol="0">
+            <a:spAutoFit/>
+          </a:bodyPr>
+          <a:lstStyle/>
+          <a:p>
+            <a:r>
+              <a:rPr lang="en-US" altLang="zh-TW" dirty="0" smtClean="0">
+                <a:solidFill>
+                  <a:srgbClr val="FF0000"/>
+                </a:solidFill>
+              </a:rPr>
+              <a:t>3</a:t>
+            </a:r>
+            <a:endParaRPr lang="zh-TW" altLang="en-US" dirty="0">
+              <a:solidFill>
+                <a:srgbClr val="FF0000"/>
+              </a:solidFill>
+            </a:endParaRPr>
+          </a:p>
+        </p:txBody>
+      </p:sp>
+      <p:sp>
+        <p:nvSpPr>
+          <p:cNvPr id="21" name="文字方塊 20"/>
+          <p:cNvSpPr txBox="1"/>
+          <p:nvPr/>
+        </p:nvSpPr>
+        <p:spPr>
+          <a:xfrm>
+            <a:off x="3825582" y="4422141"/>
+            <a:ext cx="301686" cy="369332"/>
+          </a:xfrm>
+          <a:prstGeom prst="rect">
+            <a:avLst/>
+          </a:prstGeom>
+          <a:noFill/>
+        </p:spPr>
+        <p:txBody>
+          <a:bodyPr wrap="none" rtlCol="0">
+            <a:spAutoFit/>
+          </a:bodyPr>
+          <a:lstStyle/>
+          <a:p>
+            <a:r>
+              <a:rPr lang="en-US" altLang="zh-TW" dirty="0" smtClean="0">
+                <a:solidFill>
+                  <a:srgbClr val="FF0000"/>
+                </a:solidFill>
+              </a:rPr>
+              <a:t>4</a:t>
+            </a:r>
+            <a:endParaRPr lang="zh-TW" altLang="en-US" dirty="0">
+              <a:solidFill>
+                <a:srgbClr val="FF0000"/>
+              </a:solidFill>
+            </a:endParaRPr>
+          </a:p>
+        </p:txBody>
+      </p:sp>
+      <p:sp>
+        <p:nvSpPr>
+          <p:cNvPr id="22" name="文字方塊 21"/>
+          <p:cNvSpPr txBox="1"/>
+          <p:nvPr/>
+        </p:nvSpPr>
+        <p:spPr>
+          <a:xfrm>
+            <a:off x="3835241" y="5007846"/>
+            <a:ext cx="301686" cy="369332"/>
+          </a:xfrm>
+          <a:prstGeom prst="rect">
+            <a:avLst/>
+          </a:prstGeom>
+          <a:noFill/>
+        </p:spPr>
+        <p:txBody>
+          <a:bodyPr wrap="none" rtlCol="0">
+            <a:spAutoFit/>
+          </a:bodyPr>
+          <a:lstStyle/>
+          <a:p>
+            <a:r>
+              <a:rPr lang="en-US" altLang="zh-TW" dirty="0" smtClean="0">
+                <a:solidFill>
+                  <a:srgbClr val="FF0000"/>
+                </a:solidFill>
+              </a:rPr>
+              <a:t>5</a:t>
+            </a:r>
+            <a:endParaRPr lang="zh-TW" altLang="en-US" dirty="0">
+              <a:solidFill>
+                <a:srgbClr val="FF0000"/>
+              </a:solidFill>
+            </a:endParaRPr>
+          </a:p>
+        </p:txBody>
+      </p:sp>
+      <p:sp>
+        <p:nvSpPr>
+          <p:cNvPr id="23" name="矩形 22"/>
           <p:cNvSpPr/>
           <p:nvPr/>
         </p:nvSpPr>
         <p:spPr>
           <a:xfrm>
-            <a:off x="6849913" y="3987368"/>
-            <a:ext cx="1889106" cy="289482"/>
+            <a:off x="7115817" y="6159899"/>
+            <a:ext cx="854227" cy="289482"/>
           </a:xfrm>
           <a:prstGeom prst="rect">
             <a:avLst/>
@@ -5992,295 +6158,13 @@
       </p:sp>
       <p:sp>
         <p:nvSpPr>
-          <p:cNvPr id="13" name="矩形 12"/>
-          <p:cNvSpPr/>
-          <p:nvPr/>
-        </p:nvSpPr>
-        <p:spPr>
-          <a:xfrm>
-            <a:off x="7509519" y="4692258"/>
-            <a:ext cx="1095375" cy="289482"/>
-          </a:xfrm>
-          <a:prstGeom prst="rect">
-            <a:avLst/>
-          </a:prstGeom>
-          <a:noFill/>
-          <a:ln w="28575">
-            <a:solidFill>
-              <a:srgbClr val="FF0000"/>
-            </a:solidFill>
-          </a:ln>
-        </p:spPr>
-        <p:style>
-          <a:lnRef idx="2">
-            <a:schemeClr val="accent1">
-              <a:shade val="50000"/>
-            </a:schemeClr>
-          </a:lnRef>
-          <a:fillRef idx="1">
-            <a:schemeClr val="accent1"/>
-          </a:fillRef>
-          <a:effectRef idx="0">
-            <a:schemeClr val="accent1"/>
-          </a:effectRef>
-          <a:fontRef idx="minor">
-            <a:schemeClr val="lt1"/>
-          </a:fontRef>
-        </p:style>
-        <p:txBody>
-          <a:bodyPr rtlCol="0" anchor="ctr"/>
-          <a:lstStyle/>
-          <a:p>
-            <a:pPr algn="ctr"/>
-            <a:endParaRPr lang="zh-TW" altLang="en-US"/>
-          </a:p>
-        </p:txBody>
-      </p:sp>
-      <p:sp>
-        <p:nvSpPr>
-          <p:cNvPr id="14" name="文字方塊 13"/>
+          <p:cNvPr id="24" name="文字方塊 23"/>
           <p:cNvSpPr txBox="1"/>
           <p:nvPr/>
         </p:nvSpPr>
         <p:spPr>
           <a:xfrm>
-            <a:off x="8821602" y="651780"/>
-            <a:ext cx="301686" cy="369332"/>
-          </a:xfrm>
-          <a:prstGeom prst="rect">
-            <a:avLst/>
-          </a:prstGeom>
-          <a:noFill/>
-        </p:spPr>
-        <p:txBody>
-          <a:bodyPr wrap="none" rtlCol="0">
-            <a:spAutoFit/>
-          </a:bodyPr>
-          <a:lstStyle/>
-          <a:p>
-            <a:r>
-              <a:rPr lang="en-US" altLang="zh-TW" dirty="0" smtClean="0">
-                <a:solidFill>
-                  <a:srgbClr val="FF0000"/>
-                </a:solidFill>
-              </a:rPr>
-              <a:t>1</a:t>
-            </a:r>
-            <a:endParaRPr lang="zh-TW" altLang="en-US" dirty="0">
-              <a:solidFill>
-                <a:srgbClr val="FF0000"/>
-              </a:solidFill>
-            </a:endParaRPr>
-          </a:p>
-        </p:txBody>
-      </p:sp>
-      <p:sp>
-        <p:nvSpPr>
-          <p:cNvPr id="15" name="矩形 14"/>
-          <p:cNvSpPr/>
-          <p:nvPr/>
-        </p:nvSpPr>
-        <p:spPr>
-          <a:xfrm>
-            <a:off x="8617792" y="1702505"/>
-            <a:ext cx="1080000" cy="1080000"/>
-          </a:xfrm>
-          <a:prstGeom prst="rect">
-            <a:avLst/>
-          </a:prstGeom>
-          <a:noFill/>
-          <a:ln w="28575">
-            <a:solidFill>
-              <a:srgbClr val="00B0F0"/>
-            </a:solidFill>
-          </a:ln>
-        </p:spPr>
-        <p:style>
-          <a:lnRef idx="2">
-            <a:schemeClr val="accent1">
-              <a:shade val="50000"/>
-            </a:schemeClr>
-          </a:lnRef>
-          <a:fillRef idx="1">
-            <a:schemeClr val="accent1"/>
-          </a:fillRef>
-          <a:effectRef idx="0">
-            <a:schemeClr val="accent1"/>
-          </a:effectRef>
-          <a:fontRef idx="minor">
-            <a:schemeClr val="lt1"/>
-          </a:fontRef>
-        </p:style>
-        <p:txBody>
-          <a:bodyPr rtlCol="0" anchor="ctr"/>
-          <a:lstStyle/>
-          <a:p>
-            <a:pPr algn="ctr"/>
-            <a:endParaRPr lang="zh-TW" altLang="en-US" dirty="0"/>
-          </a:p>
-        </p:txBody>
-      </p:sp>
-      <p:sp>
-        <p:nvSpPr>
-          <p:cNvPr id="16" name="文字方塊 15"/>
-          <p:cNvSpPr txBox="1"/>
-          <p:nvPr/>
-        </p:nvSpPr>
-        <p:spPr>
-          <a:xfrm>
-            <a:off x="6548227" y="3947443"/>
-            <a:ext cx="301686" cy="369332"/>
-          </a:xfrm>
-          <a:prstGeom prst="rect">
-            <a:avLst/>
-          </a:prstGeom>
-          <a:noFill/>
-        </p:spPr>
-        <p:txBody>
-          <a:bodyPr wrap="none" rtlCol="0">
-            <a:spAutoFit/>
-          </a:bodyPr>
-          <a:lstStyle/>
-          <a:p>
-            <a:r>
-              <a:rPr lang="en-US" altLang="zh-TW" dirty="0" smtClean="0">
-                <a:solidFill>
-                  <a:srgbClr val="FF0000"/>
-                </a:solidFill>
-              </a:rPr>
-              <a:t>2</a:t>
-            </a:r>
-            <a:endParaRPr lang="zh-TW" altLang="en-US" dirty="0">
-              <a:solidFill>
-                <a:srgbClr val="FF0000"/>
-              </a:solidFill>
-            </a:endParaRPr>
-          </a:p>
-        </p:txBody>
-      </p:sp>
-      <p:sp>
-        <p:nvSpPr>
-          <p:cNvPr id="17" name="文字方塊 16"/>
-          <p:cNvSpPr txBox="1"/>
-          <p:nvPr/>
-        </p:nvSpPr>
-        <p:spPr>
-          <a:xfrm>
-            <a:off x="7207833" y="4652333"/>
-            <a:ext cx="301686" cy="369332"/>
-          </a:xfrm>
-          <a:prstGeom prst="rect">
-            <a:avLst/>
-          </a:prstGeom>
-          <a:noFill/>
-        </p:spPr>
-        <p:txBody>
-          <a:bodyPr wrap="none" rtlCol="0">
-            <a:spAutoFit/>
-          </a:bodyPr>
-          <a:lstStyle/>
-          <a:p>
-            <a:r>
-              <a:rPr lang="en-US" altLang="zh-TW" dirty="0" smtClean="0">
-                <a:solidFill>
-                  <a:srgbClr val="FF0000"/>
-                </a:solidFill>
-              </a:rPr>
-              <a:t>3</a:t>
-            </a:r>
-            <a:endParaRPr lang="zh-TW" altLang="en-US" dirty="0">
-              <a:solidFill>
-                <a:srgbClr val="FF0000"/>
-              </a:solidFill>
-            </a:endParaRPr>
-          </a:p>
-        </p:txBody>
-      </p:sp>
-      <p:sp>
-        <p:nvSpPr>
-          <p:cNvPr id="18" name="文字方塊 17"/>
-          <p:cNvSpPr txBox="1"/>
-          <p:nvPr/>
-        </p:nvSpPr>
-        <p:spPr>
-          <a:xfrm>
-            <a:off x="1974864" y="2179277"/>
-            <a:ext cx="301686" cy="369332"/>
-          </a:xfrm>
-          <a:prstGeom prst="rect">
-            <a:avLst/>
-          </a:prstGeom>
-          <a:noFill/>
-        </p:spPr>
-        <p:txBody>
-          <a:bodyPr wrap="none" rtlCol="0">
-            <a:spAutoFit/>
-          </a:bodyPr>
-          <a:lstStyle/>
-          <a:p>
-            <a:r>
-              <a:rPr lang="en-US" altLang="zh-TW" dirty="0" smtClean="0">
-                <a:solidFill>
-                  <a:srgbClr val="FF0000"/>
-                </a:solidFill>
-              </a:rPr>
-              <a:t>4</a:t>
-            </a:r>
-            <a:endParaRPr lang="zh-TW" altLang="en-US" dirty="0">
-              <a:solidFill>
-                <a:srgbClr val="FF0000"/>
-              </a:solidFill>
-            </a:endParaRPr>
-          </a:p>
-        </p:txBody>
-      </p:sp>
-      <p:sp>
-        <p:nvSpPr>
-          <p:cNvPr id="19" name="文字方塊 18"/>
-          <p:cNvSpPr txBox="1"/>
-          <p:nvPr/>
-        </p:nvSpPr>
-        <p:spPr>
-          <a:xfrm>
-            <a:off x="3839479" y="2831508"/>
-            <a:ext cx="301686" cy="369332"/>
-          </a:xfrm>
-          <a:prstGeom prst="rect">
-            <a:avLst/>
-          </a:prstGeom>
-          <a:noFill/>
-        </p:spPr>
-        <p:txBody>
-          <a:bodyPr wrap="none" rtlCol="0">
-            <a:spAutoFit/>
-          </a:bodyPr>
-          <a:lstStyle/>
-          <a:p>
-            <a:r>
-              <a:rPr lang="en-US" altLang="zh-TW" dirty="0" smtClean="0">
-                <a:solidFill>
-                  <a:srgbClr val="FF0000"/>
-                </a:solidFill>
-              </a:rPr>
-              <a:t>5</a:t>
-            </a:r>
-            <a:endParaRPr lang="zh-TW" altLang="en-US" dirty="0">
-              <a:solidFill>
-                <a:srgbClr val="FF0000"/>
-              </a:solidFill>
-            </a:endParaRPr>
-          </a:p>
-        </p:txBody>
-      </p:sp>
-      <p:sp>
-        <p:nvSpPr>
-          <p:cNvPr id="20" name="文字方塊 19"/>
-          <p:cNvSpPr txBox="1"/>
-          <p:nvPr/>
-        </p:nvSpPr>
-        <p:spPr>
-          <a:xfrm>
-            <a:off x="4381500" y="3818657"/>
+            <a:off x="6814131" y="6119974"/>
             <a:ext cx="301686" cy="369332"/>
           </a:xfrm>
           <a:prstGeom prst="rect">
@@ -6301,166 +6185,6 @@
                 </a:solidFill>
               </a:rPr>
               <a:t>6</a:t>
-            </a:r>
-            <a:endParaRPr lang="zh-TW" altLang="en-US" dirty="0">
-              <a:solidFill>
-                <a:srgbClr val="FF0000"/>
-              </a:solidFill>
-            </a:endParaRPr>
-          </a:p>
-        </p:txBody>
-      </p:sp>
-      <p:sp>
-        <p:nvSpPr>
-          <p:cNvPr id="21" name="文字方塊 20"/>
-          <p:cNvSpPr txBox="1"/>
-          <p:nvPr/>
-        </p:nvSpPr>
-        <p:spPr>
-          <a:xfrm>
-            <a:off x="3825582" y="4422141"/>
-            <a:ext cx="301686" cy="369332"/>
-          </a:xfrm>
-          <a:prstGeom prst="rect">
-            <a:avLst/>
-          </a:prstGeom>
-          <a:noFill/>
-        </p:spPr>
-        <p:txBody>
-          <a:bodyPr wrap="none" rtlCol="0">
-            <a:spAutoFit/>
-          </a:bodyPr>
-          <a:lstStyle/>
-          <a:p>
-            <a:r>
-              <a:rPr lang="en-US" altLang="zh-TW" dirty="0" smtClean="0">
-                <a:solidFill>
-                  <a:srgbClr val="FF0000"/>
-                </a:solidFill>
-              </a:rPr>
-              <a:t>7</a:t>
-            </a:r>
-            <a:endParaRPr lang="zh-TW" altLang="en-US" dirty="0">
-              <a:solidFill>
-                <a:srgbClr val="FF0000"/>
-              </a:solidFill>
-            </a:endParaRPr>
-          </a:p>
-        </p:txBody>
-      </p:sp>
-      <p:sp>
-        <p:nvSpPr>
-          <p:cNvPr id="22" name="文字方塊 21"/>
-          <p:cNvSpPr txBox="1"/>
-          <p:nvPr/>
-        </p:nvSpPr>
-        <p:spPr>
-          <a:xfrm>
-            <a:off x="3835241" y="5007846"/>
-            <a:ext cx="301686" cy="369332"/>
-          </a:xfrm>
-          <a:prstGeom prst="rect">
-            <a:avLst/>
-          </a:prstGeom>
-          <a:noFill/>
-        </p:spPr>
-        <p:txBody>
-          <a:bodyPr wrap="none" rtlCol="0">
-            <a:spAutoFit/>
-          </a:bodyPr>
-          <a:lstStyle/>
-          <a:p>
-            <a:r>
-              <a:rPr lang="en-US" altLang="zh-TW" dirty="0" smtClean="0">
-                <a:solidFill>
-                  <a:srgbClr val="FF0000"/>
-                </a:solidFill>
-              </a:rPr>
-              <a:t>8</a:t>
-            </a:r>
-            <a:endParaRPr lang="zh-TW" altLang="en-US" dirty="0">
-              <a:solidFill>
-                <a:srgbClr val="FF0000"/>
-              </a:solidFill>
-            </a:endParaRPr>
-          </a:p>
-        </p:txBody>
-      </p:sp>
-      <p:sp>
-        <p:nvSpPr>
-          <p:cNvPr id="23" name="矩形 22"/>
-          <p:cNvSpPr/>
-          <p:nvPr/>
-        </p:nvSpPr>
-        <p:spPr>
-          <a:xfrm>
-            <a:off x="7115817" y="6159899"/>
-            <a:ext cx="854227" cy="289482"/>
-          </a:xfrm>
-          <a:prstGeom prst="rect">
-            <a:avLst/>
-          </a:prstGeom>
-          <a:noFill/>
-          <a:ln w="28575">
-            <a:solidFill>
-              <a:srgbClr val="FF0000"/>
-            </a:solidFill>
-          </a:ln>
-        </p:spPr>
-        <p:style>
-          <a:lnRef idx="2">
-            <a:schemeClr val="accent1">
-              <a:shade val="50000"/>
-            </a:schemeClr>
-          </a:lnRef>
-          <a:fillRef idx="1">
-            <a:schemeClr val="accent1"/>
-          </a:fillRef>
-          <a:effectRef idx="0">
-            <a:schemeClr val="accent1"/>
-          </a:effectRef>
-          <a:fontRef idx="minor">
-            <a:schemeClr val="lt1"/>
-          </a:fontRef>
-        </p:style>
-        <p:txBody>
-          <a:bodyPr rtlCol="0" anchor="ctr"/>
-          <a:lstStyle/>
-          <a:p>
-            <a:pPr algn="ctr"/>
-            <a:endParaRPr lang="zh-TW" altLang="en-US"/>
-          </a:p>
-        </p:txBody>
-      </p:sp>
-      <p:sp>
-        <p:nvSpPr>
-          <p:cNvPr id="24" name="文字方塊 23"/>
-          <p:cNvSpPr txBox="1"/>
-          <p:nvPr/>
-        </p:nvSpPr>
-        <p:spPr>
-          <a:xfrm>
-            <a:off x="6814131" y="6119974"/>
-            <a:ext cx="301686" cy="369332"/>
-          </a:xfrm>
-          <a:prstGeom prst="rect">
-            <a:avLst/>
-          </a:prstGeom>
-          <a:noFill/>
-        </p:spPr>
-        <p:txBody>
-          <a:bodyPr wrap="none" rtlCol="0">
-            <a:spAutoFit/>
-          </a:bodyPr>
-          <a:lstStyle/>
-          <a:p>
-            <a:r>
-              <a:rPr lang="en-US" altLang="zh-TW" dirty="0" smtClean="0">
-                <a:solidFill>
-                  <a:srgbClr val="FF0000"/>
-                </a:solidFill>
-              </a:rPr>
-              <a:t>9</a:t>
             </a:r>
             <a:endParaRPr lang="zh-TW" altLang="en-US" dirty="0">
               <a:solidFill>
@@ -6648,7 +6372,7 @@
       </p:grpSpPr>
       <p:pic>
         <p:nvPicPr>
-          <p:cNvPr id="9" name="圖片 8"/>
+          <p:cNvPr id="2" name="圖片 1"/>
           <p:cNvPicPr>
             <a:picLocks noChangeAspect="1"/>
           </p:cNvPicPr>
@@ -7062,7 +6786,7 @@
       </p:grpSpPr>
       <p:pic>
         <p:nvPicPr>
-          <p:cNvPr id="7" name="圖片 6"/>
+          <p:cNvPr id="16" name="圖片 15"/>
           <p:cNvPicPr>
             <a:picLocks noChangeAspect="1"/>
           </p:cNvPicPr>
@@ -7084,40 +6808,16 @@
           </a:prstGeom>
         </p:spPr>
       </p:pic>
-      <p:pic>
-        <p:nvPicPr>
-          <p:cNvPr id="2" name="圖片 1"/>
-          <p:cNvPicPr>
-            <a:picLocks noChangeAspect="1"/>
-          </p:cNvPicPr>
-          <p:nvPr/>
-        </p:nvPicPr>
-        <p:blipFill>
-          <a:blip r:embed="rId3"/>
-          <a:stretch>
-            <a:fillRect/>
-          </a:stretch>
-        </p:blipFill>
-        <p:spPr>
-          <a:xfrm>
-            <a:off x="6691792" y="3280097"/>
-            <a:ext cx="3286125" cy="1857375"/>
-          </a:xfrm>
-          <a:prstGeom prst="rect">
-            <a:avLst/>
-          </a:prstGeom>
-        </p:spPr>
-      </p:pic>
-      <p:sp>
-        <p:nvSpPr>
-          <p:cNvPr id="3" name="矩形 2"/>
+      <p:sp>
+        <p:nvSpPr>
+          <p:cNvPr id="10" name="矩形 9"/>
           <p:cNvSpPr/>
           <p:nvPr/>
         </p:nvSpPr>
         <p:spPr>
           <a:xfrm>
-            <a:off x="6849913" y="3987368"/>
-            <a:ext cx="1889106" cy="289482"/>
+            <a:off x="1952005" y="1271910"/>
+            <a:ext cx="2905746" cy="533078"/>
           </a:xfrm>
           <a:prstGeom prst="rect">
             <a:avLst/>
@@ -7156,14 +6856,14 @@
       </p:sp>
       <p:sp>
         <p:nvSpPr>
-          <p:cNvPr id="4" name="矩形 3"/>
+          <p:cNvPr id="13" name="矩形 12"/>
           <p:cNvSpPr/>
           <p:nvPr/>
         </p:nvSpPr>
         <p:spPr>
           <a:xfrm>
-            <a:off x="7509519" y="4692258"/>
-            <a:ext cx="1095375" cy="289482"/>
+            <a:off x="2543354" y="4462066"/>
+            <a:ext cx="1289506" cy="289482"/>
           </a:xfrm>
           <a:prstGeom prst="rect">
             <a:avLst/>
@@ -7202,90 +6902,14 @@
       </p:sp>
       <p:sp>
         <p:nvSpPr>
-          <p:cNvPr id="5" name="文字方塊 4"/>
-          <p:cNvSpPr txBox="1"/>
-          <p:nvPr/>
-        </p:nvSpPr>
-        <p:spPr>
-          <a:xfrm>
-            <a:off x="6548227" y="3947443"/>
-            <a:ext cx="301686" cy="369332"/>
-          </a:xfrm>
-          <a:prstGeom prst="rect">
-            <a:avLst/>
-          </a:prstGeom>
-          <a:noFill/>
-        </p:spPr>
-        <p:txBody>
-          <a:bodyPr wrap="none" rtlCol="0">
-            <a:spAutoFit/>
-          </a:bodyPr>
-          <a:lstStyle/>
-          <a:p>
-            <a:r>
-              <a:rPr lang="en-US" altLang="zh-TW" dirty="0" smtClean="0">
-                <a:solidFill>
-                  <a:srgbClr val="FF0000"/>
-                </a:solidFill>
-              </a:rPr>
-              <a:t>2</a:t>
-            </a:r>
-            <a:endParaRPr lang="zh-TW" altLang="en-US" dirty="0">
-              <a:solidFill>
-                <a:srgbClr val="FF0000"/>
-              </a:solidFill>
-            </a:endParaRPr>
-          </a:p>
-        </p:txBody>
-      </p:sp>
-      <p:sp>
-        <p:nvSpPr>
-          <p:cNvPr id="6" name="文字方塊 5"/>
-          <p:cNvSpPr txBox="1"/>
-          <p:nvPr/>
-        </p:nvSpPr>
-        <p:spPr>
-          <a:xfrm>
-            <a:off x="7207833" y="4652333"/>
-            <a:ext cx="301686" cy="369332"/>
-          </a:xfrm>
-          <a:prstGeom prst="rect">
-            <a:avLst/>
-          </a:prstGeom>
-          <a:noFill/>
-        </p:spPr>
-        <p:txBody>
-          <a:bodyPr wrap="none" rtlCol="0">
-            <a:spAutoFit/>
-          </a:bodyPr>
-          <a:lstStyle/>
-          <a:p>
-            <a:r>
-              <a:rPr lang="en-US" altLang="zh-TW" dirty="0" smtClean="0">
-                <a:solidFill>
-                  <a:srgbClr val="FF0000"/>
-                </a:solidFill>
-              </a:rPr>
-              <a:t>3</a:t>
-            </a:r>
-            <a:endParaRPr lang="zh-TW" altLang="en-US" dirty="0">
-              <a:solidFill>
-                <a:srgbClr val="FF0000"/>
-              </a:solidFill>
-            </a:endParaRPr>
-          </a:p>
-        </p:txBody>
-      </p:sp>
-      <p:sp>
-        <p:nvSpPr>
-          <p:cNvPr id="8" name="矩形 7"/>
+          <p:cNvPr id="14" name="矩形 13"/>
           <p:cNvSpPr/>
           <p:nvPr/>
         </p:nvSpPr>
         <p:spPr>
           <a:xfrm>
-            <a:off x="9123288" y="714059"/>
-            <a:ext cx="1193904" cy="244774"/>
+            <a:off x="1952004" y="5377178"/>
+            <a:ext cx="4067796" cy="657861"/>
           </a:xfrm>
           <a:prstGeom prst="rect">
             <a:avLst/>
@@ -7324,13 +6948,13 @@
       </p:sp>
       <p:sp>
         <p:nvSpPr>
-          <p:cNvPr id="9" name="文字方塊 8"/>
+          <p:cNvPr id="15" name="文字方塊 14"/>
           <p:cNvSpPr txBox="1"/>
           <p:nvPr/>
         </p:nvSpPr>
         <p:spPr>
           <a:xfrm>
-            <a:off x="8821602" y="651780"/>
+            <a:off x="4857751" y="1353783"/>
             <a:ext cx="301686" cy="369332"/>
           </a:xfrm>
           <a:prstGeom prst="rect">
@@ -7362,14 +6986,90 @@
       </p:sp>
       <p:sp>
         <p:nvSpPr>
-          <p:cNvPr id="10" name="矩形 9"/>
+          <p:cNvPr id="18" name="文字方塊 17"/>
+          <p:cNvSpPr txBox="1"/>
+          <p:nvPr/>
+        </p:nvSpPr>
+        <p:spPr>
+          <a:xfrm>
+            <a:off x="3825582" y="4422141"/>
+            <a:ext cx="301686" cy="369332"/>
+          </a:xfrm>
+          <a:prstGeom prst="rect">
+            <a:avLst/>
+          </a:prstGeom>
+          <a:noFill/>
+        </p:spPr>
+        <p:txBody>
+          <a:bodyPr wrap="none" rtlCol="0">
+            <a:spAutoFit/>
+          </a:bodyPr>
+          <a:lstStyle/>
+          <a:p>
+            <a:r>
+              <a:rPr lang="en-US" altLang="zh-TW" dirty="0" smtClean="0">
+                <a:solidFill>
+                  <a:srgbClr val="FF0000"/>
+                </a:solidFill>
+              </a:rPr>
+              <a:t>3</a:t>
+            </a:r>
+            <a:endParaRPr lang="zh-TW" altLang="en-US" dirty="0">
+              <a:solidFill>
+                <a:srgbClr val="FF0000"/>
+              </a:solidFill>
+            </a:endParaRPr>
+          </a:p>
+        </p:txBody>
+      </p:sp>
+      <p:sp>
+        <p:nvSpPr>
+          <p:cNvPr id="19" name="文字方塊 18"/>
+          <p:cNvSpPr txBox="1"/>
+          <p:nvPr/>
+        </p:nvSpPr>
+        <p:spPr>
+          <a:xfrm>
+            <a:off x="3835241" y="5007846"/>
+            <a:ext cx="301686" cy="369332"/>
+          </a:xfrm>
+          <a:prstGeom prst="rect">
+            <a:avLst/>
+          </a:prstGeom>
+          <a:noFill/>
+        </p:spPr>
+        <p:txBody>
+          <a:bodyPr wrap="none" rtlCol="0">
+            <a:spAutoFit/>
+          </a:bodyPr>
+          <a:lstStyle/>
+          <a:p>
+            <a:r>
+              <a:rPr lang="en-US" altLang="zh-TW" dirty="0" smtClean="0">
+                <a:solidFill>
+                  <a:srgbClr val="FF0000"/>
+                </a:solidFill>
+              </a:rPr>
+              <a:t>4</a:t>
+            </a:r>
+            <a:endParaRPr lang="zh-TW" altLang="en-US" dirty="0">
+              <a:solidFill>
+                <a:srgbClr val="FF0000"/>
+              </a:solidFill>
+            </a:endParaRPr>
+          </a:p>
+        </p:txBody>
+      </p:sp>
+      <p:sp>
+        <p:nvSpPr>
+          <p:cNvPr id="20" name="矩形 19"/>
           <p:cNvSpPr/>
           <p:nvPr/>
         </p:nvSpPr>
         <p:spPr>
           <a:xfrm>
-            <a:off x="1952005" y="1271910"/>
-            <a:ext cx="2905746" cy="533078"/>
+            <a:off x="7115817" y="6159899"/>
+            <a:ext cx="854227" cy="289482"/>
           </a:xfrm>
           <a:prstGeom prst="rect">
             <a:avLst/>
@@ -7408,14 +7108,52 @@
       </p:sp>
       <p:sp>
         <p:nvSpPr>
-          <p:cNvPr id="13" name="矩形 12"/>
+          <p:cNvPr id="21" name="文字方塊 20"/>
+          <p:cNvSpPr txBox="1"/>
+          <p:nvPr/>
+        </p:nvSpPr>
+        <p:spPr>
+          <a:xfrm>
+            <a:off x="6814131" y="6119974"/>
+            <a:ext cx="301686" cy="369332"/>
+          </a:xfrm>
+          <a:prstGeom prst="rect">
+            <a:avLst/>
+          </a:prstGeom>
+          <a:noFill/>
+        </p:spPr>
+        <p:txBody>
+          <a:bodyPr wrap="none" rtlCol="0">
+            <a:spAutoFit/>
+          </a:bodyPr>
+          <a:lstStyle/>
+          <a:p>
+            <a:r>
+              <a:rPr lang="en-US" altLang="zh-TW" dirty="0" smtClean="0">
+                <a:solidFill>
+                  <a:srgbClr val="FF0000"/>
+                </a:solidFill>
+              </a:rPr>
+              <a:t>5</a:t>
+            </a:r>
+            <a:endParaRPr lang="zh-TW" altLang="en-US" dirty="0">
+              <a:solidFill>
+                <a:srgbClr val="FF0000"/>
+              </a:solidFill>
+            </a:endParaRPr>
+          </a:p>
+        </p:txBody>
+      </p:sp>
+      <p:sp>
+        <p:nvSpPr>
+          <p:cNvPr id="22" name="矩形 21"/>
           <p:cNvSpPr/>
           <p:nvPr/>
         </p:nvSpPr>
         <p:spPr>
           <a:xfrm>
-            <a:off x="2543354" y="4462066"/>
-            <a:ext cx="1289506" cy="289482"/>
+            <a:off x="4694267" y="1849498"/>
+            <a:ext cx="894527" cy="278546"/>
           </a:xfrm>
           <a:prstGeom prst="rect">
             <a:avLst/>
@@ -7454,59 +7192,13 @@
       </p:sp>
       <p:sp>
         <p:nvSpPr>
-          <p:cNvPr id="14" name="矩形 13"/>
-          <p:cNvSpPr/>
-          <p:nvPr/>
-        </p:nvSpPr>
-        <p:spPr>
-          <a:xfrm>
-            <a:off x="1952004" y="5377178"/>
-            <a:ext cx="4067796" cy="657861"/>
-          </a:xfrm>
-          <a:prstGeom prst="rect">
-            <a:avLst/>
-          </a:prstGeom>
-          <a:noFill/>
-          <a:ln w="28575">
-            <a:solidFill>
-              <a:srgbClr val="FF0000"/>
-            </a:solidFill>
-          </a:ln>
-        </p:spPr>
-        <p:style>
-          <a:lnRef idx="2">
-            <a:schemeClr val="accent1">
-              <a:shade val="50000"/>
-            </a:schemeClr>
-          </a:lnRef>
-          <a:fillRef idx="1">
-            <a:schemeClr val="accent1"/>
-          </a:fillRef>
-          <a:effectRef idx="0">
-            <a:schemeClr val="accent1"/>
-          </a:effectRef>
-          <a:fontRef idx="minor">
-            <a:schemeClr val="lt1"/>
-          </a:fontRef>
-        </p:style>
-        <p:txBody>
-          <a:bodyPr rtlCol="0" anchor="ctr"/>
-          <a:lstStyle/>
-          <a:p>
-            <a:pPr algn="ctr"/>
-            <a:endParaRPr lang="zh-TW" altLang="en-US"/>
-          </a:p>
-        </p:txBody>
-      </p:sp>
-      <p:sp>
-        <p:nvSpPr>
-          <p:cNvPr id="15" name="文字方塊 14"/>
+          <p:cNvPr id="23" name="文字方塊 22"/>
           <p:cNvSpPr txBox="1"/>
           <p:nvPr/>
         </p:nvSpPr>
         <p:spPr>
           <a:xfrm>
-            <a:off x="4857751" y="1353783"/>
+            <a:off x="5588794" y="1804988"/>
             <a:ext cx="301686" cy="369332"/>
           </a:xfrm>
           <a:prstGeom prst="rect">
@@ -7526,251 +7218,7 @@
                   <a:srgbClr val="FF0000"/>
                 </a:solidFill>
               </a:rPr>
-              <a:t>4</a:t>
-            </a:r>
-            <a:endParaRPr lang="zh-TW" altLang="en-US" dirty="0">
-              <a:solidFill>
-                <a:srgbClr val="FF0000"/>
-              </a:solidFill>
-            </a:endParaRPr>
-          </a:p>
-        </p:txBody>
-      </p:sp>
-      <p:sp>
-        <p:nvSpPr>
-          <p:cNvPr id="18" name="文字方塊 17"/>
-          <p:cNvSpPr txBox="1"/>
-          <p:nvPr/>
-        </p:nvSpPr>
-        <p:spPr>
-          <a:xfrm>
-            <a:off x="3825582" y="4422141"/>
-            <a:ext cx="301686" cy="369332"/>
-          </a:xfrm>
-          <a:prstGeom prst="rect">
-            <a:avLst/>
-          </a:prstGeom>
-          <a:noFill/>
-        </p:spPr>
-        <p:txBody>
-          <a:bodyPr wrap="none" rtlCol="0">
-            <a:spAutoFit/>
-          </a:bodyPr>
-          <a:lstStyle/>
-          <a:p>
-            <a:r>
-              <a:rPr lang="en-US" altLang="zh-TW" dirty="0" smtClean="0">
-                <a:solidFill>
-                  <a:srgbClr val="FF0000"/>
-                </a:solidFill>
-              </a:rPr>
-              <a:t>6</a:t>
-            </a:r>
-            <a:endParaRPr lang="zh-TW" altLang="en-US" dirty="0">
-              <a:solidFill>
-                <a:srgbClr val="FF0000"/>
-              </a:solidFill>
-            </a:endParaRPr>
-          </a:p>
-        </p:txBody>
-      </p:sp>
-      <p:sp>
-        <p:nvSpPr>
-          <p:cNvPr id="19" name="文字方塊 18"/>
-          <p:cNvSpPr txBox="1"/>
-          <p:nvPr/>
-        </p:nvSpPr>
-        <p:spPr>
-          <a:xfrm>
-            <a:off x="3835241" y="5007846"/>
-            <a:ext cx="301686" cy="369332"/>
-          </a:xfrm>
-          <a:prstGeom prst="rect">
-            <a:avLst/>
-          </a:prstGeom>
-          <a:noFill/>
-        </p:spPr>
-        <p:txBody>
-          <a:bodyPr wrap="none" rtlCol="0">
-            <a:spAutoFit/>
-          </a:bodyPr>
-          <a:lstStyle/>
-          <a:p>
-            <a:r>
-              <a:rPr lang="en-US" altLang="zh-TW" dirty="0" smtClean="0">
-                <a:solidFill>
-                  <a:srgbClr val="FF0000"/>
-                </a:solidFill>
-              </a:rPr>
-              <a:t>7</a:t>
-            </a:r>
-            <a:endParaRPr lang="zh-TW" altLang="en-US" dirty="0">
-              <a:solidFill>
-                <a:srgbClr val="FF0000"/>
-              </a:solidFill>
-            </a:endParaRPr>
-          </a:p>
-        </p:txBody>
-      </p:sp>
-      <p:sp>
-        <p:nvSpPr>
-          <p:cNvPr id="20" name="矩形 19"/>
-          <p:cNvSpPr/>
-          <p:nvPr/>
-        </p:nvSpPr>
-        <p:spPr>
-          <a:xfrm>
-            <a:off x="7115817" y="6159899"/>
-            <a:ext cx="854227" cy="289482"/>
-          </a:xfrm>
-          <a:prstGeom prst="rect">
-            <a:avLst/>
-          </a:prstGeom>
-          <a:noFill/>
-          <a:ln w="28575">
-            <a:solidFill>
-              <a:srgbClr val="FF0000"/>
-            </a:solidFill>
-          </a:ln>
-        </p:spPr>
-        <p:style>
-          <a:lnRef idx="2">
-            <a:schemeClr val="accent1">
-              <a:shade val="50000"/>
-            </a:schemeClr>
-          </a:lnRef>
-          <a:fillRef idx="1">
-            <a:schemeClr val="accent1"/>
-          </a:fillRef>
-          <a:effectRef idx="0">
-            <a:schemeClr val="accent1"/>
-          </a:effectRef>
-          <a:fontRef idx="minor">
-            <a:schemeClr val="lt1"/>
-          </a:fontRef>
-        </p:style>
-        <p:txBody>
-          <a:bodyPr rtlCol="0" anchor="ctr"/>
-          <a:lstStyle/>
-          <a:p>
-            <a:pPr algn="ctr"/>
-            <a:endParaRPr lang="zh-TW" altLang="en-US"/>
-          </a:p>
-        </p:txBody>
-      </p:sp>
-      <p:sp>
-        <p:nvSpPr>
-          <p:cNvPr id="21" name="文字方塊 20"/>
-          <p:cNvSpPr txBox="1"/>
-          <p:nvPr/>
-        </p:nvSpPr>
-        <p:spPr>
-          <a:xfrm>
-            <a:off x="6814131" y="6119974"/>
-            <a:ext cx="301686" cy="369332"/>
-          </a:xfrm>
-          <a:prstGeom prst="rect">
-            <a:avLst/>
-          </a:prstGeom>
-          <a:noFill/>
-        </p:spPr>
-        <p:txBody>
-          <a:bodyPr wrap="none" rtlCol="0">
-            <a:spAutoFit/>
-          </a:bodyPr>
-          <a:lstStyle/>
-          <a:p>
-            <a:r>
-              <a:rPr lang="en-US" altLang="zh-TW" dirty="0" smtClean="0">
-                <a:solidFill>
-                  <a:srgbClr val="FF0000"/>
-                </a:solidFill>
-              </a:rPr>
-              <a:t>8</a:t>
-            </a:r>
-            <a:endParaRPr lang="zh-TW" altLang="en-US" dirty="0">
-              <a:solidFill>
-                <a:srgbClr val="FF0000"/>
-              </a:solidFill>
-            </a:endParaRPr>
-          </a:p>
-        </p:txBody>
-      </p:sp>
-      <p:sp>
-        <p:nvSpPr>
-          <p:cNvPr id="22" name="矩形 21"/>
-          <p:cNvSpPr/>
-          <p:nvPr/>
-        </p:nvSpPr>
-        <p:spPr>
-          <a:xfrm>
-            <a:off x="4694267" y="1849498"/>
-            <a:ext cx="894527" cy="278546"/>
-          </a:xfrm>
-          <a:prstGeom prst="rect">
-            <a:avLst/>
-          </a:prstGeom>
-          <a:noFill/>
-          <a:ln w="28575">
-            <a:solidFill>
-              <a:srgbClr val="FF0000"/>
-            </a:solidFill>
-          </a:ln>
-        </p:spPr>
-        <p:style>
-          <a:lnRef idx="2">
-            <a:schemeClr val="accent1">
-              <a:shade val="50000"/>
-            </a:schemeClr>
-          </a:lnRef>
-          <a:fillRef idx="1">
-            <a:schemeClr val="accent1"/>
-          </a:fillRef>
-          <a:effectRef idx="0">
-            <a:schemeClr val="accent1"/>
-          </a:effectRef>
-          <a:fontRef idx="minor">
-            <a:schemeClr val="lt1"/>
-          </a:fontRef>
-        </p:style>
-        <p:txBody>
-          <a:bodyPr rtlCol="0" anchor="ctr"/>
-          <a:lstStyle/>
-          <a:p>
-            <a:pPr algn="ctr"/>
-            <a:endParaRPr lang="zh-TW" altLang="en-US"/>
-          </a:p>
-        </p:txBody>
-      </p:sp>
-      <p:sp>
-        <p:nvSpPr>
-          <p:cNvPr id="23" name="文字方塊 22"/>
-          <p:cNvSpPr txBox="1"/>
-          <p:nvPr/>
-        </p:nvSpPr>
-        <p:spPr>
-          <a:xfrm>
-            <a:off x="5588794" y="1804988"/>
-            <a:ext cx="301686" cy="369332"/>
-          </a:xfrm>
-          <a:prstGeom prst="rect">
-            <a:avLst/>
-          </a:prstGeom>
-          <a:noFill/>
-        </p:spPr>
-        <p:txBody>
-          <a:bodyPr wrap="none" rtlCol="0">
-            <a:spAutoFit/>
-          </a:bodyPr>
-          <a:lstStyle/>
-          <a:p>
-            <a:r>
-              <a:rPr lang="en-US" altLang="zh-TW" dirty="0" smtClean="0">
-                <a:solidFill>
-                  <a:srgbClr val="FF0000"/>
-                </a:solidFill>
-              </a:rPr>
-              <a:t>5</a:t>
+              <a:t>2</a:t>
             </a:r>
             <a:endParaRPr lang="zh-TW" altLang="en-US" dirty="0">
               <a:solidFill>

--- a/image/images.pptx
+++ b/image/images.pptx
@@ -264,7 +264,7 @@
           <a:p>
             <a:fld id="{56DE6451-BBA6-47FD-9167-15DF202D03EB}" type="datetimeFigureOut">
               <a:rPr lang="zh-TW" altLang="en-US" smtClean="0"/>
-              <a:t>2018/7/29</a:t>
+              <a:t>2018/8/13</a:t>
             </a:fld>
             <a:endParaRPr lang="zh-TW" altLang="en-US"/>
           </a:p>
@@ -434,7 +434,7 @@
           <a:p>
             <a:fld id="{56DE6451-BBA6-47FD-9167-15DF202D03EB}" type="datetimeFigureOut">
               <a:rPr lang="zh-TW" altLang="en-US" smtClean="0"/>
-              <a:t>2018/7/29</a:t>
+              <a:t>2018/8/13</a:t>
             </a:fld>
             <a:endParaRPr lang="zh-TW" altLang="en-US"/>
           </a:p>
@@ -614,7 +614,7 @@
           <a:p>
             <a:fld id="{56DE6451-BBA6-47FD-9167-15DF202D03EB}" type="datetimeFigureOut">
               <a:rPr lang="zh-TW" altLang="en-US" smtClean="0"/>
-              <a:t>2018/7/29</a:t>
+              <a:t>2018/8/13</a:t>
             </a:fld>
             <a:endParaRPr lang="zh-TW" altLang="en-US"/>
           </a:p>
@@ -784,7 +784,7 @@
           <a:p>
             <a:fld id="{56DE6451-BBA6-47FD-9167-15DF202D03EB}" type="datetimeFigureOut">
               <a:rPr lang="zh-TW" altLang="en-US" smtClean="0"/>
-              <a:t>2018/7/29</a:t>
+              <a:t>2018/8/13</a:t>
             </a:fld>
             <a:endParaRPr lang="zh-TW" altLang="en-US"/>
           </a:p>
@@ -1030,7 +1030,7 @@
           <a:p>
             <a:fld id="{56DE6451-BBA6-47FD-9167-15DF202D03EB}" type="datetimeFigureOut">
               <a:rPr lang="zh-TW" altLang="en-US" smtClean="0"/>
-              <a:t>2018/7/29</a:t>
+              <a:t>2018/8/13</a:t>
             </a:fld>
             <a:endParaRPr lang="zh-TW" altLang="en-US"/>
           </a:p>
@@ -1262,7 +1262,7 @@
           <a:p>
             <a:fld id="{56DE6451-BBA6-47FD-9167-15DF202D03EB}" type="datetimeFigureOut">
               <a:rPr lang="zh-TW" altLang="en-US" smtClean="0"/>
-              <a:t>2018/7/29</a:t>
+              <a:t>2018/8/13</a:t>
             </a:fld>
             <a:endParaRPr lang="zh-TW" altLang="en-US"/>
           </a:p>
@@ -1629,7 +1629,7 @@
           <a:p>
             <a:fld id="{56DE6451-BBA6-47FD-9167-15DF202D03EB}" type="datetimeFigureOut">
               <a:rPr lang="zh-TW" altLang="en-US" smtClean="0"/>
-              <a:t>2018/7/29</a:t>
+              <a:t>2018/8/13</a:t>
             </a:fld>
             <a:endParaRPr lang="zh-TW" altLang="en-US"/>
           </a:p>
@@ -1747,7 +1747,7 @@
           <a:p>
             <a:fld id="{56DE6451-BBA6-47FD-9167-15DF202D03EB}" type="datetimeFigureOut">
               <a:rPr lang="zh-TW" altLang="en-US" smtClean="0"/>
-              <a:t>2018/7/29</a:t>
+              <a:t>2018/8/13</a:t>
             </a:fld>
             <a:endParaRPr lang="zh-TW" altLang="en-US"/>
           </a:p>
@@ -1842,7 +1842,7 @@
           <a:p>
             <a:fld id="{56DE6451-BBA6-47FD-9167-15DF202D03EB}" type="datetimeFigureOut">
               <a:rPr lang="zh-TW" altLang="en-US" smtClean="0"/>
-              <a:t>2018/7/29</a:t>
+              <a:t>2018/8/13</a:t>
             </a:fld>
             <a:endParaRPr lang="zh-TW" altLang="en-US"/>
           </a:p>
@@ -2119,7 +2119,7 @@
           <a:p>
             <a:fld id="{56DE6451-BBA6-47FD-9167-15DF202D03EB}" type="datetimeFigureOut">
               <a:rPr lang="zh-TW" altLang="en-US" smtClean="0"/>
-              <a:t>2018/7/29</a:t>
+              <a:t>2018/8/13</a:t>
             </a:fld>
             <a:endParaRPr lang="zh-TW" altLang="en-US"/>
           </a:p>
@@ -2372,7 +2372,7 @@
           <a:p>
             <a:fld id="{56DE6451-BBA6-47FD-9167-15DF202D03EB}" type="datetimeFigureOut">
               <a:rPr lang="zh-TW" altLang="en-US" smtClean="0"/>
-              <a:t>2018/7/29</a:t>
+              <a:t>2018/8/13</a:t>
             </a:fld>
             <a:endParaRPr lang="zh-TW" altLang="en-US"/>
           </a:p>
@@ -2585,7 +2585,7 @@
           <a:p>
             <a:fld id="{56DE6451-BBA6-47FD-9167-15DF202D03EB}" type="datetimeFigureOut">
               <a:rPr lang="zh-TW" altLang="en-US" smtClean="0"/>
-              <a:t>2018/7/29</a:t>
+              <a:t>2018/8/13</a:t>
             </a:fld>
             <a:endParaRPr lang="zh-TW" altLang="en-US"/>
           </a:p>
@@ -3130,7 +3130,7 @@
       </p:grpSpPr>
       <p:pic>
         <p:nvPicPr>
-          <p:cNvPr id="12" name="圖片 11"/>
+          <p:cNvPr id="2" name="圖片 1"/>
           <p:cNvPicPr>
             <a:picLocks noChangeAspect="1"/>
           </p:cNvPicPr>
@@ -3144,8 +3144,8 @@
         </p:blipFill>
         <p:spPr>
           <a:xfrm>
-            <a:off x="1500187" y="742950"/>
-            <a:ext cx="9191625" cy="5372100"/>
+            <a:off x="1504950" y="747712"/>
+            <a:ext cx="9182100" cy="5362575"/>
           </a:xfrm>
           <a:prstGeom prst="rect">
             <a:avLst/>
@@ -5622,7 +5622,7 @@
       </p:grpSpPr>
       <p:pic>
         <p:nvPicPr>
-          <p:cNvPr id="11" name="圖片 10"/>
+          <p:cNvPr id="2" name="圖片 1"/>
           <p:cNvPicPr>
             <a:picLocks noChangeAspect="1"/>
           </p:cNvPicPr>
@@ -6372,7 +6372,7 @@
       </p:grpSpPr>
       <p:pic>
         <p:nvPicPr>
-          <p:cNvPr id="2" name="圖片 1"/>
+          <p:cNvPr id="9" name="圖片 8"/>
           <p:cNvPicPr>
             <a:picLocks noChangeAspect="1"/>
           </p:cNvPicPr>
@@ -6386,8 +6386,8 @@
         </p:blipFill>
         <p:spPr>
           <a:xfrm>
-            <a:off x="1500187" y="742950"/>
-            <a:ext cx="9191625" cy="5372100"/>
+            <a:off x="1504950" y="747712"/>
+            <a:ext cx="9182100" cy="5362575"/>
           </a:xfrm>
           <a:prstGeom prst="rect">
             <a:avLst/>
@@ -6786,7 +6786,7 @@
       </p:grpSpPr>
       <p:pic>
         <p:nvPicPr>
-          <p:cNvPr id="16" name="圖片 15"/>
+          <p:cNvPr id="2" name="圖片 1"/>
           <p:cNvPicPr>
             <a:picLocks noChangeAspect="1"/>
           </p:cNvPicPr>

--- a/image/images.pptx
+++ b/image/images.pptx
@@ -5622,7 +5622,7 @@
       </p:grpSpPr>
       <p:pic>
         <p:nvPicPr>
-          <p:cNvPr id="2" name="圖片 1"/>
+          <p:cNvPr id="3" name="圖片 2"/>
           <p:cNvPicPr>
             <a:picLocks noChangeAspect="1"/>
           </p:cNvPicPr>

--- a/image/images.pptx
+++ b/image/images.pptx
@@ -5622,7 +5622,7 @@
       </p:grpSpPr>
       <p:pic>
         <p:nvPicPr>
-          <p:cNvPr id="3" name="圖片 2"/>
+          <p:cNvPr id="2" name="圖片 1"/>
           <p:cNvPicPr>
             <a:picLocks noChangeAspect="1"/>
           </p:cNvPicPr>
@@ -6786,7 +6786,7 @@
       </p:grpSpPr>
       <p:pic>
         <p:nvPicPr>
-          <p:cNvPr id="2" name="圖片 1"/>
+          <p:cNvPr id="3" name="圖片 2"/>
           <p:cNvPicPr>
             <a:picLocks noChangeAspect="1"/>
           </p:cNvPicPr>
